--- a/P3_03_presentation.pptx
+++ b/P3_03_presentation.pptx
@@ -7,15 +7,9 @@
   <p:sldIdLst>
     <p:sldId id="256" r:id="rId2"/>
     <p:sldId id="258" r:id="rId3"/>
-    <p:sldId id="257" r:id="rId4"/>
-    <p:sldId id="259" r:id="rId5"/>
-    <p:sldId id="260" r:id="rId6"/>
-    <p:sldId id="261" r:id="rId7"/>
-    <p:sldId id="262" r:id="rId8"/>
-    <p:sldId id="263" r:id="rId9"/>
-    <p:sldId id="264" r:id="rId10"/>
-    <p:sldId id="265" r:id="rId11"/>
-    <p:sldId id="267" r:id="rId12"/>
+    <p:sldId id="268" r:id="rId4"/>
+    <p:sldId id="265" r:id="rId5"/>
+    <p:sldId id="267" r:id="rId6"/>
   </p:sldIdLst>
   <p:sldSz cx="12192000" cy="6858000"/>
   <p:notesSz cx="6858000" cy="9144000"/>
@@ -3289,7 +3283,7 @@
             <a:fld id="{3F9AFA87-1417-4992-ABD9-27C3BC8CC883}" type="datetimeFigureOut">
               <a:rPr lang="en-US" smtClean="0"/>
               <a:pPr algn="r"/>
-              <a:t>11/19/21</a:t>
+              <a:t>11/22/21</a:t>
             </a:fld>
             <a:endParaRPr lang="en-US" dirty="0"/>
           </a:p>
@@ -3490,7 +3484,7 @@
           <a:p>
             <a:fld id="{3F9AFA87-1417-4992-ABD9-27C3BC8CC883}" type="datetimeFigureOut">
               <a:rPr lang="en-US" smtClean="0"/>
-              <a:t>11/19/21</a:t>
+              <a:t>11/22/21</a:t>
             </a:fld>
             <a:endParaRPr lang="en-US"/>
           </a:p>
@@ -3700,7 +3694,7 @@
           <a:p>
             <a:fld id="{3F9AFA87-1417-4992-ABD9-27C3BC8CC883}" type="datetimeFigureOut">
               <a:rPr lang="en-US" smtClean="0"/>
-              <a:t>11/19/21</a:t>
+              <a:t>11/22/21</a:t>
             </a:fld>
             <a:endParaRPr lang="en-US"/>
           </a:p>
@@ -3898,7 +3892,7 @@
           <a:p>
             <a:fld id="{3F9AFA87-1417-4992-ABD9-27C3BC8CC883}" type="datetimeFigureOut">
               <a:rPr lang="en-US" smtClean="0"/>
-              <a:t>11/19/21</a:t>
+              <a:t>11/22/21</a:t>
             </a:fld>
             <a:endParaRPr lang="en-US"/>
           </a:p>
@@ -4172,7 +4166,7 @@
           <a:p>
             <a:fld id="{3F9AFA87-1417-4992-ABD9-27C3BC8CC883}" type="datetimeFigureOut">
               <a:rPr lang="en-US" smtClean="0"/>
-              <a:t>11/19/21</a:t>
+              <a:t>11/22/21</a:t>
             </a:fld>
             <a:endParaRPr lang="en-US"/>
           </a:p>
@@ -4437,7 +4431,7 @@
           <a:p>
             <a:fld id="{3F9AFA87-1417-4992-ABD9-27C3BC8CC883}" type="datetimeFigureOut">
               <a:rPr lang="en-US" smtClean="0"/>
-              <a:t>11/19/21</a:t>
+              <a:t>11/22/21</a:t>
             </a:fld>
             <a:endParaRPr lang="en-US" dirty="0"/>
           </a:p>
@@ -4824,7 +4818,7 @@
           <a:p>
             <a:fld id="{3F9AFA87-1417-4992-ABD9-27C3BC8CC883}" type="datetimeFigureOut">
               <a:rPr lang="en-US" smtClean="0"/>
-              <a:t>11/19/21</a:t>
+              <a:t>11/22/21</a:t>
             </a:fld>
             <a:endParaRPr lang="en-US"/>
           </a:p>
@@ -4994,7 +4988,7 @@
           <a:p>
             <a:fld id="{3F9AFA87-1417-4992-ABD9-27C3BC8CC883}" type="datetimeFigureOut">
               <a:rPr lang="en-US" smtClean="0"/>
-              <a:t>11/19/21</a:t>
+              <a:t>11/22/21</a:t>
             </a:fld>
             <a:endParaRPr lang="en-US"/>
           </a:p>
@@ -5107,7 +5101,7 @@
           <a:p>
             <a:fld id="{3F9AFA87-1417-4992-ABD9-27C3BC8CC883}" type="datetimeFigureOut">
               <a:rPr lang="en-US" smtClean="0"/>
-              <a:t>11/19/21</a:t>
+              <a:t>11/22/21</a:t>
             </a:fld>
             <a:endParaRPr lang="en-US"/>
           </a:p>
@@ -5427,7 +5421,7 @@
           <a:p>
             <a:fld id="{3F9AFA87-1417-4992-ABD9-27C3BC8CC883}" type="datetimeFigureOut">
               <a:rPr lang="en-US" smtClean="0"/>
-              <a:t>11/19/21</a:t>
+              <a:t>11/22/21</a:t>
             </a:fld>
             <a:endParaRPr lang="en-US"/>
           </a:p>
@@ -5732,7 +5726,7 @@
           <a:p>
             <a:fld id="{3F9AFA87-1417-4992-ABD9-27C3BC8CC883}" type="datetimeFigureOut">
               <a:rPr lang="en-US" smtClean="0"/>
-              <a:t>11/19/21</a:t>
+              <a:t>11/22/21</a:t>
             </a:fld>
             <a:endParaRPr lang="en-US"/>
           </a:p>
@@ -5975,7 +5969,7 @@
             <a:fld id="{3F9AFA87-1417-4992-ABD9-27C3BC8CC883}" type="datetimeFigureOut">
               <a:rPr lang="en-US" smtClean="0"/>
               <a:pPr algn="r"/>
-              <a:t>11/19/21</a:t>
+              <a:t>11/22/21</a:t>
             </a:fld>
             <a:endParaRPr lang="en-US" dirty="0"/>
           </a:p>
@@ -6745,7 +6739,818 @@
 </p:sld>
 </file>
 
-<file path=ppt/slides/slide10.xml><?xml version="1.0" encoding="utf-8"?>
+<file path=ppt/slides/slide2.xml><?xml version="1.0" encoding="utf-8"?>
+<p:sld xmlns:a="http://schemas.openxmlformats.org/drawingml/2006/main" xmlns:r="http://schemas.openxmlformats.org/officeDocument/2006/relationships" xmlns:p="http://schemas.openxmlformats.org/presentationml/2006/main">
+  <p:cSld>
+    <p:bg>
+      <p:bgPr>
+        <a:solidFill>
+          <a:schemeClr val="bg1"/>
+        </a:solidFill>
+        <a:effectLst/>
+      </p:bgPr>
+    </p:bg>
+    <p:spTree>
+      <p:nvGrpSpPr>
+        <p:cNvPr id="1" name=""/>
+        <p:cNvGrpSpPr/>
+        <p:nvPr/>
+      </p:nvGrpSpPr>
+      <p:grpSpPr>
+        <a:xfrm>
+          <a:off x="0" y="0"/>
+          <a:ext cx="0" cy="0"/>
+          <a:chOff x="0" y="0"/>
+          <a:chExt cx="0" cy="0"/>
+        </a:xfrm>
+      </p:grpSpPr>
+      <p:sp useBgFill="1">
+        <p:nvSpPr>
+          <p:cNvPr id="10" name="Rectangle 9">
+            <a:extLst>
+              <a:ext uri="{FF2B5EF4-FFF2-40B4-BE49-F238E27FC236}">
+                <a16:creationId xmlns:a16="http://schemas.microsoft.com/office/drawing/2014/main" id="{84136905-015B-4510-B514-027CBA846BD6}"/>
+              </a:ext>
+              <a:ext uri="{C183D7F6-B498-43B3-948B-1728B52AA6E4}">
+                <adec:decorative xmlns:adec="http://schemas.microsoft.com/office/drawing/2017/decorative" val="1"/>
+              </a:ext>
+            </a:extLst>
+          </p:cNvPr>
+          <p:cNvSpPr>
+            <a:spLocks noGrp="1" noRot="1" noChangeAspect="1" noMove="1" noResize="1" noEditPoints="1" noAdjustHandles="1" noChangeArrowheads="1" noChangeShapeType="1" noTextEdit="1"/>
+          </p:cNvSpPr>
+          <p:nvPr>
+            <p:extLst>
+              <p:ext uri="{386F3935-93C4-4BCD-93E2-E3B085C9AB24}">
+                <p16:designElem xmlns:p16="http://schemas.microsoft.com/office/powerpoint/2015/main" val="1"/>
+              </p:ext>
+            </p:extLst>
+          </p:nvPr>
+        </p:nvSpPr>
+        <p:spPr>
+          <a:xfrm>
+            <a:off x="0" y="0"/>
+            <a:ext cx="12192000" cy="6858000"/>
+          </a:xfrm>
+          <a:prstGeom prst="rect">
+            <a:avLst/>
+          </a:prstGeom>
+          <a:ln>
+            <a:noFill/>
+          </a:ln>
+        </p:spPr>
+        <p:style>
+          <a:lnRef idx="2">
+            <a:schemeClr val="accent1">
+              <a:shade val="50000"/>
+            </a:schemeClr>
+          </a:lnRef>
+          <a:fillRef idx="1">
+            <a:schemeClr val="accent1"/>
+          </a:fillRef>
+          <a:effectRef idx="0">
+            <a:schemeClr val="accent1"/>
+          </a:effectRef>
+          <a:fontRef idx="minor">
+            <a:schemeClr val="lt1"/>
+          </a:fontRef>
+        </p:style>
+        <p:txBody>
+          <a:bodyPr rtlCol="0" anchor="ctr"/>
+          <a:lstStyle/>
+          <a:p>
+            <a:pPr algn="ctr"/>
+            <a:endParaRPr lang="en-US"/>
+          </a:p>
+        </p:txBody>
+      </p:sp>
+      <p:sp>
+        <p:nvSpPr>
+          <p:cNvPr id="12" name="Rectangle 11">
+            <a:extLst>
+              <a:ext uri="{FF2B5EF4-FFF2-40B4-BE49-F238E27FC236}">
+                <a16:creationId xmlns:a16="http://schemas.microsoft.com/office/drawing/2014/main" id="{36CD0F97-2E5B-4E84-8544-EB24DED10446}"/>
+              </a:ext>
+              <a:ext uri="{C183D7F6-B498-43B3-948B-1728B52AA6E4}">
+                <adec:decorative xmlns:adec="http://schemas.microsoft.com/office/drawing/2017/decorative" val="1"/>
+              </a:ext>
+            </a:extLst>
+          </p:cNvPr>
+          <p:cNvSpPr>
+            <a:spLocks noGrp="1" noRot="1" noChangeAspect="1" noMove="1" noResize="1" noEditPoints="1" noAdjustHandles="1" noChangeArrowheads="1" noChangeShapeType="1" noTextEdit="1"/>
+          </p:cNvSpPr>
+          <p:nvPr>
+            <p:extLst>
+              <p:ext uri="{386F3935-93C4-4BCD-93E2-E3B085C9AB24}">
+                <p16:designElem xmlns:p16="http://schemas.microsoft.com/office/powerpoint/2015/main" val="1"/>
+              </p:ext>
+            </p:extLst>
+          </p:nvPr>
+        </p:nvSpPr>
+        <p:spPr>
+          <a:xfrm>
+            <a:off x="0" y="-2"/>
+            <a:ext cx="12192000" cy="6858001"/>
+          </a:xfrm>
+          <a:prstGeom prst="rect">
+            <a:avLst/>
+          </a:prstGeom>
+          <a:gradFill flip="none" rotWithShape="1">
+            <a:gsLst>
+              <a:gs pos="10000">
+                <a:schemeClr val="accent5"/>
+              </a:gs>
+              <a:gs pos="90000">
+                <a:schemeClr val="accent1"/>
+              </a:gs>
+              <a:gs pos="70000">
+                <a:schemeClr val="accent2"/>
+              </a:gs>
+              <a:gs pos="30000">
+                <a:schemeClr val="accent4"/>
+              </a:gs>
+              <a:gs pos="50000">
+                <a:schemeClr val="accent3">
+                  <a:lumMod val="60000"/>
+                  <a:lumOff val="40000"/>
+                </a:schemeClr>
+              </a:gs>
+            </a:gsLst>
+            <a:lin ang="7200000" scaled="0"/>
+            <a:tileRect/>
+          </a:gradFill>
+          <a:ln>
+            <a:noFill/>
+          </a:ln>
+        </p:spPr>
+        <p:style>
+          <a:lnRef idx="2">
+            <a:schemeClr val="accent1">
+              <a:shade val="50000"/>
+            </a:schemeClr>
+          </a:lnRef>
+          <a:fillRef idx="1">
+            <a:schemeClr val="accent1"/>
+          </a:fillRef>
+          <a:effectRef idx="0">
+            <a:schemeClr val="accent1"/>
+          </a:effectRef>
+          <a:fontRef idx="minor">
+            <a:schemeClr val="lt1"/>
+          </a:fontRef>
+        </p:style>
+        <p:txBody>
+          <a:bodyPr rtlCol="0" anchor="ctr"/>
+          <a:lstStyle/>
+          <a:p>
+            <a:pPr algn="ctr"/>
+            <a:endParaRPr lang="en-US"/>
+          </a:p>
+        </p:txBody>
+      </p:sp>
+      <p:sp useBgFill="1">
+        <p:nvSpPr>
+          <p:cNvPr id="14" name="Rectangle 13">
+            <a:extLst>
+              <a:ext uri="{FF2B5EF4-FFF2-40B4-BE49-F238E27FC236}">
+                <a16:creationId xmlns:a16="http://schemas.microsoft.com/office/drawing/2014/main" id="{3B272257-593A-402F-88FA-F1DECD9E3FC4}"/>
+              </a:ext>
+              <a:ext uri="{C183D7F6-B498-43B3-948B-1728B52AA6E4}">
+                <adec:decorative xmlns:adec="http://schemas.microsoft.com/office/drawing/2017/decorative" val="1"/>
+              </a:ext>
+            </a:extLst>
+          </p:cNvPr>
+          <p:cNvSpPr>
+            <a:spLocks noGrp="1" noRot="1" noChangeAspect="1" noMove="1" noResize="1" noEditPoints="1" noAdjustHandles="1" noChangeArrowheads="1" noChangeShapeType="1" noTextEdit="1"/>
+          </p:cNvSpPr>
+          <p:nvPr>
+            <p:extLst>
+              <p:ext uri="{386F3935-93C4-4BCD-93E2-E3B085C9AB24}">
+                <p16:designElem xmlns:p16="http://schemas.microsoft.com/office/powerpoint/2015/main" val="1"/>
+              </p:ext>
+            </p:extLst>
+          </p:nvPr>
+        </p:nvSpPr>
+        <p:spPr>
+          <a:xfrm>
+            <a:off x="762000" y="758952"/>
+            <a:ext cx="10668000" cy="5340096"/>
+          </a:xfrm>
+          <a:prstGeom prst="rect">
+            <a:avLst/>
+          </a:prstGeom>
+          <a:ln w="76200">
+            <a:noFill/>
+          </a:ln>
+        </p:spPr>
+        <p:style>
+          <a:lnRef idx="2">
+            <a:schemeClr val="accent1">
+              <a:shade val="50000"/>
+            </a:schemeClr>
+          </a:lnRef>
+          <a:fillRef idx="1">
+            <a:schemeClr val="accent1"/>
+          </a:fillRef>
+          <a:effectRef idx="0">
+            <a:schemeClr val="accent1"/>
+          </a:effectRef>
+          <a:fontRef idx="minor">
+            <a:schemeClr val="lt1"/>
+          </a:fontRef>
+        </p:style>
+        <p:txBody>
+          <a:bodyPr rtlCol="0" anchor="ctr"/>
+          <a:lstStyle/>
+          <a:p>
+            <a:pPr algn="ctr"/>
+            <a:endParaRPr lang="en-US"/>
+          </a:p>
+        </p:txBody>
+      </p:sp>
+      <p:sp>
+        <p:nvSpPr>
+          <p:cNvPr id="2" name="Titre 1">
+            <a:extLst>
+              <a:ext uri="{FF2B5EF4-FFF2-40B4-BE49-F238E27FC236}">
+                <a16:creationId xmlns:a16="http://schemas.microsoft.com/office/drawing/2014/main" id="{51FB8C4C-329B-2148-8D62-A8B8449D0412}"/>
+              </a:ext>
+            </a:extLst>
+          </p:cNvPr>
+          <p:cNvSpPr>
+            <a:spLocks noGrp="1"/>
+          </p:cNvSpPr>
+          <p:nvPr>
+            <p:ph type="title"/>
+          </p:nvPr>
+        </p:nvSpPr>
+        <p:spPr>
+          <a:xfrm>
+            <a:off x="5411874" y="1517903"/>
+            <a:ext cx="5250030" cy="1345115"/>
+          </a:xfrm>
+        </p:spPr>
+        <p:txBody>
+          <a:bodyPr>
+            <a:normAutofit/>
+          </a:bodyPr>
+          <a:lstStyle/>
+          <a:p>
+            <a:r>
+              <a:rPr lang="fr-FR" dirty="0"/>
+              <a:t>Sommaire</a:t>
+            </a:r>
+          </a:p>
+        </p:txBody>
+      </p:sp>
+      <p:pic>
+        <p:nvPicPr>
+          <p:cNvPr id="7" name="Graphic 6" descr="Game controller">
+            <a:extLst>
+              <a:ext uri="{FF2B5EF4-FFF2-40B4-BE49-F238E27FC236}">
+                <a16:creationId xmlns:a16="http://schemas.microsoft.com/office/drawing/2014/main" id="{C8C0CDEC-2EEB-49F5-B8B7-F3A062BA7790}"/>
+              </a:ext>
+            </a:extLst>
+          </p:cNvPr>
+          <p:cNvPicPr>
+            <a:picLocks noChangeAspect="1"/>
+          </p:cNvPicPr>
+          <p:nvPr/>
+        </p:nvPicPr>
+        <p:blipFill>
+          <a:blip r:embed="rId2">
+            <a:extLst>
+              <a:ext uri="{28A0092B-C50C-407E-A947-70E740481C1C}">
+                <a14:useLocalDpi xmlns:a14="http://schemas.microsoft.com/office/drawing/2010/main" val="0"/>
+              </a:ext>
+              <a:ext uri="{96DAC541-7B7A-43D3-8B79-37D633B846F1}">
+                <asvg:svgBlip xmlns:asvg="http://schemas.microsoft.com/office/drawing/2016/SVG/main" r:embed="rId3"/>
+              </a:ext>
+            </a:extLst>
+          </a:blip>
+          <a:stretch>
+            <a:fillRect/>
+          </a:stretch>
+        </p:blipFill>
+        <p:spPr>
+          <a:xfrm>
+            <a:off x="1524000" y="1864539"/>
+            <a:ext cx="3128922" cy="3128922"/>
+          </a:xfrm>
+          <a:prstGeom prst="rect">
+            <a:avLst/>
+          </a:prstGeom>
+        </p:spPr>
+      </p:pic>
+      <p:sp>
+        <p:nvSpPr>
+          <p:cNvPr id="3" name="Espace réservé du contenu 2">
+            <a:extLst>
+              <a:ext uri="{FF2B5EF4-FFF2-40B4-BE49-F238E27FC236}">
+                <a16:creationId xmlns:a16="http://schemas.microsoft.com/office/drawing/2014/main" id="{893501CB-3B8B-4F44-810D-1677CE8C757C}"/>
+              </a:ext>
+            </a:extLst>
+          </p:cNvPr>
+          <p:cNvSpPr>
+            <a:spLocks noGrp="1"/>
+          </p:cNvSpPr>
+          <p:nvPr>
+            <p:ph idx="1"/>
+          </p:nvPr>
+        </p:nvSpPr>
+        <p:spPr>
+          <a:xfrm>
+            <a:off x="5411874" y="2970222"/>
+            <a:ext cx="5250030" cy="2610771"/>
+          </a:xfrm>
+        </p:spPr>
+        <p:txBody>
+          <a:bodyPr>
+            <a:normAutofit/>
+          </a:bodyPr>
+          <a:lstStyle/>
+          <a:p>
+            <a:pPr marL="514350" indent="-514350">
+              <a:buFont typeface="+mj-lt"/>
+              <a:buAutoNum type="arabicPeriod"/>
+            </a:pPr>
+            <a:r>
+              <a:rPr lang="fr-FR" dirty="0"/>
+              <a:t>Fonctionnement du jeu</a:t>
+            </a:r>
+          </a:p>
+          <a:p>
+            <a:pPr marL="514350" indent="-514350">
+              <a:buFont typeface="+mj-lt"/>
+              <a:buAutoNum type="arabicPeriod"/>
+            </a:pPr>
+            <a:r>
+              <a:rPr lang="fr-FR" dirty="0"/>
+              <a:t>Diagramme de classe</a:t>
+            </a:r>
+          </a:p>
+          <a:p>
+            <a:pPr marL="514350" indent="-514350">
+              <a:buFont typeface="+mj-lt"/>
+              <a:buAutoNum type="arabicPeriod"/>
+            </a:pPr>
+            <a:r>
+              <a:rPr lang="fr-FR" dirty="0"/>
+              <a:t>Conclusion</a:t>
+            </a:r>
+          </a:p>
+        </p:txBody>
+      </p:sp>
+    </p:spTree>
+    <p:extLst>
+      <p:ext uri="{BB962C8B-B14F-4D97-AF65-F5344CB8AC3E}">
+        <p14:creationId xmlns:p14="http://schemas.microsoft.com/office/powerpoint/2010/main" val="1021502982"/>
+      </p:ext>
+    </p:extLst>
+  </p:cSld>
+  <p:clrMapOvr>
+    <a:masterClrMapping/>
+  </p:clrMapOvr>
+</p:sld>
+</file>
+
+<file path=ppt/slides/slide3.xml><?xml version="1.0" encoding="utf-8"?>
+<p:sld xmlns:a="http://schemas.openxmlformats.org/drawingml/2006/main" xmlns:r="http://schemas.openxmlformats.org/officeDocument/2006/relationships" xmlns:p="http://schemas.openxmlformats.org/presentationml/2006/main">
+  <p:cSld>
+    <p:bg>
+      <p:bgPr>
+        <a:solidFill>
+          <a:schemeClr val="bg1"/>
+        </a:solidFill>
+        <a:effectLst/>
+      </p:bgPr>
+    </p:bg>
+    <p:spTree>
+      <p:nvGrpSpPr>
+        <p:cNvPr id="1" name=""/>
+        <p:cNvGrpSpPr/>
+        <p:nvPr/>
+      </p:nvGrpSpPr>
+      <p:grpSpPr>
+        <a:xfrm>
+          <a:off x="0" y="0"/>
+          <a:ext cx="0" cy="0"/>
+          <a:chOff x="0" y="0"/>
+          <a:chExt cx="0" cy="0"/>
+        </a:xfrm>
+      </p:grpSpPr>
+      <p:sp useBgFill="1">
+        <p:nvSpPr>
+          <p:cNvPr id="18" name="Rectangle 17">
+            <a:extLst>
+              <a:ext uri="{FF2B5EF4-FFF2-40B4-BE49-F238E27FC236}">
+                <a16:creationId xmlns:a16="http://schemas.microsoft.com/office/drawing/2014/main" id="{84136905-015B-4510-B514-027CBA846BD6}"/>
+              </a:ext>
+              <a:ext uri="{C183D7F6-B498-43B3-948B-1728B52AA6E4}">
+                <adec:decorative xmlns:adec="http://schemas.microsoft.com/office/drawing/2017/decorative" val="1"/>
+              </a:ext>
+            </a:extLst>
+          </p:cNvPr>
+          <p:cNvSpPr>
+            <a:spLocks noGrp="1" noRot="1" noChangeAspect="1" noMove="1" noResize="1" noEditPoints="1" noAdjustHandles="1" noChangeArrowheads="1" noChangeShapeType="1" noTextEdit="1"/>
+          </p:cNvSpPr>
+          <p:nvPr>
+            <p:extLst>
+              <p:ext uri="{386F3935-93C4-4BCD-93E2-E3B085C9AB24}">
+                <p16:designElem xmlns:p16="http://schemas.microsoft.com/office/powerpoint/2015/main" val="1"/>
+              </p:ext>
+            </p:extLst>
+          </p:nvPr>
+        </p:nvSpPr>
+        <p:spPr>
+          <a:xfrm>
+            <a:off x="0" y="0"/>
+            <a:ext cx="12192000" cy="6858000"/>
+          </a:xfrm>
+          <a:prstGeom prst="rect">
+            <a:avLst/>
+          </a:prstGeom>
+          <a:ln>
+            <a:noFill/>
+          </a:ln>
+        </p:spPr>
+        <p:style>
+          <a:lnRef idx="2">
+            <a:schemeClr val="accent1">
+              <a:shade val="50000"/>
+            </a:schemeClr>
+          </a:lnRef>
+          <a:fillRef idx="1">
+            <a:schemeClr val="accent1"/>
+          </a:fillRef>
+          <a:effectRef idx="0">
+            <a:schemeClr val="accent1"/>
+          </a:effectRef>
+          <a:fontRef idx="minor">
+            <a:schemeClr val="lt1"/>
+          </a:fontRef>
+        </p:style>
+        <p:txBody>
+          <a:bodyPr rtlCol="0" anchor="ctr"/>
+          <a:lstStyle/>
+          <a:p>
+            <a:pPr algn="ctr"/>
+            <a:endParaRPr lang="en-US"/>
+          </a:p>
+        </p:txBody>
+      </p:sp>
+      <p:sp>
+        <p:nvSpPr>
+          <p:cNvPr id="20" name="Rectangle 19">
+            <a:extLst>
+              <a:ext uri="{FF2B5EF4-FFF2-40B4-BE49-F238E27FC236}">
+                <a16:creationId xmlns:a16="http://schemas.microsoft.com/office/drawing/2014/main" id="{36CD0F97-2E5B-4E84-8544-EB24DED10446}"/>
+              </a:ext>
+              <a:ext uri="{C183D7F6-B498-43B3-948B-1728B52AA6E4}">
+                <adec:decorative xmlns:adec="http://schemas.microsoft.com/office/drawing/2017/decorative" val="1"/>
+              </a:ext>
+            </a:extLst>
+          </p:cNvPr>
+          <p:cNvSpPr>
+            <a:spLocks noGrp="1" noRot="1" noChangeAspect="1" noMove="1" noResize="1" noEditPoints="1" noAdjustHandles="1" noChangeArrowheads="1" noChangeShapeType="1" noTextEdit="1"/>
+          </p:cNvSpPr>
+          <p:nvPr>
+            <p:extLst>
+              <p:ext uri="{386F3935-93C4-4BCD-93E2-E3B085C9AB24}">
+                <p16:designElem xmlns:p16="http://schemas.microsoft.com/office/powerpoint/2015/main" val="1"/>
+              </p:ext>
+            </p:extLst>
+          </p:nvPr>
+        </p:nvSpPr>
+        <p:spPr>
+          <a:xfrm>
+            <a:off x="0" y="-2"/>
+            <a:ext cx="12192000" cy="6858001"/>
+          </a:xfrm>
+          <a:prstGeom prst="rect">
+            <a:avLst/>
+          </a:prstGeom>
+          <a:gradFill flip="none" rotWithShape="1">
+            <a:gsLst>
+              <a:gs pos="10000">
+                <a:schemeClr val="accent5"/>
+              </a:gs>
+              <a:gs pos="90000">
+                <a:schemeClr val="accent1"/>
+              </a:gs>
+              <a:gs pos="70000">
+                <a:schemeClr val="accent2"/>
+              </a:gs>
+              <a:gs pos="30000">
+                <a:schemeClr val="accent4"/>
+              </a:gs>
+              <a:gs pos="50000">
+                <a:schemeClr val="accent3">
+                  <a:lumMod val="60000"/>
+                  <a:lumOff val="40000"/>
+                </a:schemeClr>
+              </a:gs>
+            </a:gsLst>
+            <a:lin ang="7200000" scaled="0"/>
+            <a:tileRect/>
+          </a:gradFill>
+          <a:ln>
+            <a:noFill/>
+          </a:ln>
+        </p:spPr>
+        <p:style>
+          <a:lnRef idx="2">
+            <a:schemeClr val="accent1">
+              <a:shade val="50000"/>
+            </a:schemeClr>
+          </a:lnRef>
+          <a:fillRef idx="1">
+            <a:schemeClr val="accent1"/>
+          </a:fillRef>
+          <a:effectRef idx="0">
+            <a:schemeClr val="accent1"/>
+          </a:effectRef>
+          <a:fontRef idx="minor">
+            <a:schemeClr val="lt1"/>
+          </a:fontRef>
+        </p:style>
+        <p:txBody>
+          <a:bodyPr rtlCol="0" anchor="ctr"/>
+          <a:lstStyle/>
+          <a:p>
+            <a:pPr algn="ctr"/>
+            <a:endParaRPr lang="en-US"/>
+          </a:p>
+        </p:txBody>
+      </p:sp>
+      <p:sp useBgFill="1">
+        <p:nvSpPr>
+          <p:cNvPr id="22" name="Rectangle 21">
+            <a:extLst>
+              <a:ext uri="{FF2B5EF4-FFF2-40B4-BE49-F238E27FC236}">
+                <a16:creationId xmlns:a16="http://schemas.microsoft.com/office/drawing/2014/main" id="{3B272257-593A-402F-88FA-F1DECD9E3FC4}"/>
+              </a:ext>
+              <a:ext uri="{C183D7F6-B498-43B3-948B-1728B52AA6E4}">
+                <adec:decorative xmlns:adec="http://schemas.microsoft.com/office/drawing/2017/decorative" val="1"/>
+              </a:ext>
+            </a:extLst>
+          </p:cNvPr>
+          <p:cNvSpPr>
+            <a:spLocks noGrp="1" noRot="1" noChangeAspect="1" noMove="1" noResize="1" noEditPoints="1" noAdjustHandles="1" noChangeArrowheads="1" noChangeShapeType="1" noTextEdit="1"/>
+          </p:cNvSpPr>
+          <p:nvPr>
+            <p:extLst>
+              <p:ext uri="{386F3935-93C4-4BCD-93E2-E3B085C9AB24}">
+                <p16:designElem xmlns:p16="http://schemas.microsoft.com/office/powerpoint/2015/main" val="1"/>
+              </p:ext>
+            </p:extLst>
+          </p:nvPr>
+        </p:nvSpPr>
+        <p:spPr>
+          <a:xfrm>
+            <a:off x="762000" y="758952"/>
+            <a:ext cx="10668000" cy="5340096"/>
+          </a:xfrm>
+          <a:prstGeom prst="rect">
+            <a:avLst/>
+          </a:prstGeom>
+          <a:ln w="76200">
+            <a:noFill/>
+          </a:ln>
+        </p:spPr>
+        <p:style>
+          <a:lnRef idx="2">
+            <a:schemeClr val="accent1">
+              <a:shade val="50000"/>
+            </a:schemeClr>
+          </a:lnRef>
+          <a:fillRef idx="1">
+            <a:schemeClr val="accent1"/>
+          </a:fillRef>
+          <a:effectRef idx="0">
+            <a:schemeClr val="accent1"/>
+          </a:effectRef>
+          <a:fontRef idx="minor">
+            <a:schemeClr val="lt1"/>
+          </a:fontRef>
+        </p:style>
+        <p:txBody>
+          <a:bodyPr rtlCol="0" anchor="ctr"/>
+          <a:lstStyle/>
+          <a:p>
+            <a:pPr algn="ctr"/>
+            <a:endParaRPr lang="en-US"/>
+          </a:p>
+        </p:txBody>
+      </p:sp>
+      <p:sp>
+        <p:nvSpPr>
+          <p:cNvPr id="2" name="Titre 1">
+            <a:extLst>
+              <a:ext uri="{FF2B5EF4-FFF2-40B4-BE49-F238E27FC236}">
+                <a16:creationId xmlns:a16="http://schemas.microsoft.com/office/drawing/2014/main" id="{0BD49BDB-5F35-584D-B765-A27DD320DA2A}"/>
+              </a:ext>
+            </a:extLst>
+          </p:cNvPr>
+          <p:cNvSpPr>
+            <a:spLocks noGrp="1"/>
+          </p:cNvSpPr>
+          <p:nvPr>
+            <p:ph type="title"/>
+          </p:nvPr>
+        </p:nvSpPr>
+        <p:spPr>
+          <a:xfrm>
+            <a:off x="5411874" y="1517903"/>
+            <a:ext cx="5250030" cy="1345115"/>
+          </a:xfrm>
+        </p:spPr>
+        <p:txBody>
+          <a:bodyPr vert="horz" lIns="91440" tIns="45720" rIns="91440" bIns="45720" rtlCol="0">
+            <a:normAutofit/>
+          </a:bodyPr>
+          <a:lstStyle/>
+          <a:p>
+            <a:r>
+              <a:rPr lang="en-US" dirty="0"/>
+              <a:t>Fonctionnement du jeu</a:t>
+            </a:r>
+          </a:p>
+        </p:txBody>
+      </p:sp>
+      <p:pic>
+        <p:nvPicPr>
+          <p:cNvPr id="5" name="Picture 4" descr="Processeur avec des nombres binaires et un plan d'aménagement">
+            <a:extLst>
+              <a:ext uri="{FF2B5EF4-FFF2-40B4-BE49-F238E27FC236}">
+                <a16:creationId xmlns:a16="http://schemas.microsoft.com/office/drawing/2014/main" id="{0A7032AA-FDBC-4AA6-ABCD-D2C3BFB0D039}"/>
+              </a:ext>
+            </a:extLst>
+          </p:cNvPr>
+          <p:cNvPicPr>
+            <a:picLocks noChangeAspect="1"/>
+          </p:cNvPicPr>
+          <p:nvPr/>
+        </p:nvPicPr>
+        <p:blipFill rotWithShape="1">
+          <a:blip r:embed="rId2"/>
+          <a:srcRect l="32083" r="26932" b="1"/>
+          <a:stretch/>
+        </p:blipFill>
+        <p:spPr>
+          <a:xfrm>
+            <a:off x="762000" y="758952"/>
+            <a:ext cx="3890922" cy="5340096"/>
+          </a:xfrm>
+          <a:prstGeom prst="rect">
+            <a:avLst/>
+          </a:prstGeom>
+        </p:spPr>
+      </p:pic>
+      <p:sp>
+        <p:nvSpPr>
+          <p:cNvPr id="3" name="Espace réservé du contenu 2">
+            <a:extLst>
+              <a:ext uri="{FF2B5EF4-FFF2-40B4-BE49-F238E27FC236}">
+                <a16:creationId xmlns:a16="http://schemas.microsoft.com/office/drawing/2014/main" id="{C0B42345-73AC-844C-8F69-C2E6534006F6}"/>
+              </a:ext>
+            </a:extLst>
+          </p:cNvPr>
+          <p:cNvSpPr>
+            <a:spLocks noGrp="1"/>
+          </p:cNvSpPr>
+          <p:nvPr>
+            <p:ph idx="1"/>
+          </p:nvPr>
+        </p:nvSpPr>
+        <p:spPr>
+          <a:xfrm>
+            <a:off x="5411874" y="2970222"/>
+            <a:ext cx="5250030" cy="2610771"/>
+          </a:xfrm>
+        </p:spPr>
+        <p:txBody>
+          <a:bodyPr vert="horz" lIns="91440" tIns="45720" rIns="91440" bIns="45720" rtlCol="0">
+            <a:normAutofit/>
+          </a:bodyPr>
+          <a:lstStyle/>
+          <a:p>
+            <a:pPr marL="0" indent="0">
+              <a:buNone/>
+            </a:pPr>
+            <a:r>
+              <a:rPr lang="en-US" dirty="0"/>
+              <a:t>Démonstration sur l’application !</a:t>
+            </a:r>
+          </a:p>
+        </p:txBody>
+      </p:sp>
+    </p:spTree>
+    <p:extLst>
+      <p:ext uri="{BB962C8B-B14F-4D97-AF65-F5344CB8AC3E}">
+        <p14:creationId xmlns:p14="http://schemas.microsoft.com/office/powerpoint/2010/main" val="3472374634"/>
+      </p:ext>
+    </p:extLst>
+  </p:cSld>
+  <p:clrMapOvr>
+    <a:masterClrMapping/>
+  </p:clrMapOvr>
+  <p:timing>
+    <p:tnLst>
+      <p:par>
+        <p:cTn id="1" dur="indefinite" restart="never" nodeType="tmRoot">
+          <p:childTnLst>
+            <p:seq concurrent="1" nextAc="seek">
+              <p:cTn id="2" dur="indefinite" nodeType="mainSeq">
+                <p:childTnLst>
+                  <p:par>
+                    <p:cTn id="3" fill="hold">
+                      <p:stCondLst>
+                        <p:cond delay="indefinite"/>
+                        <p:cond evt="onBegin" delay="0">
+                          <p:tn val="2"/>
+                        </p:cond>
+                      </p:stCondLst>
+                      <p:childTnLst>
+                        <p:par>
+                          <p:cTn id="4" fill="hold">
+                            <p:stCondLst>
+                              <p:cond delay="0"/>
+                            </p:stCondLst>
+                            <p:childTnLst>
+                              <p:par>
+                                <p:cTn id="5" presetID="10" presetClass="entr" presetSubtype="0" fill="hold" grpId="0" nodeType="withEffect">
+                                  <p:stCondLst>
+                                    <p:cond delay="1000"/>
+                                  </p:stCondLst>
+                                  <p:iterate>
+                                    <p:tmPct val="10000"/>
+                                  </p:iterate>
+                                  <p:childTnLst>
+                                    <p:set>
+                                      <p:cBhvr>
+                                        <p:cTn id="6" dur="1" fill="hold">
+                                          <p:stCondLst>
+                                            <p:cond delay="0"/>
+                                          </p:stCondLst>
+                                        </p:cTn>
+                                        <p:tgtEl>
+                                          <p:spTgt spid="2"/>
+                                        </p:tgtEl>
+                                        <p:attrNameLst>
+                                          <p:attrName>style.visibility</p:attrName>
+                                        </p:attrNameLst>
+                                      </p:cBhvr>
+                                      <p:to>
+                                        <p:strVal val="visible"/>
+                                      </p:to>
+                                    </p:set>
+                                    <p:animEffect transition="in" filter="fade">
+                                      <p:cBhvr>
+                                        <p:cTn id="7" dur="700"/>
+                                        <p:tgtEl>
+                                          <p:spTgt spid="2"/>
+                                        </p:tgtEl>
+                                      </p:cBhvr>
+                                    </p:animEffect>
+                                  </p:childTnLst>
+                                </p:cTn>
+                              </p:par>
+                            </p:childTnLst>
+                          </p:cTn>
+                        </p:par>
+                      </p:childTnLst>
+                    </p:cTn>
+                  </p:par>
+                </p:childTnLst>
+              </p:cTn>
+              <p:prevCondLst>
+                <p:cond evt="onPrev" delay="0">
+                  <p:tgtEl>
+                    <p:sldTgt/>
+                  </p:tgtEl>
+                </p:cond>
+              </p:prevCondLst>
+              <p:nextCondLst>
+                <p:cond evt="onNext" delay="0">
+                  <p:tgtEl>
+                    <p:sldTgt/>
+                  </p:tgtEl>
+                </p:cond>
+              </p:nextCondLst>
+            </p:seq>
+          </p:childTnLst>
+        </p:cTn>
+      </p:par>
+    </p:tnLst>
+    <p:bldLst>
+      <p:bldP spid="2" grpId="0"/>
+    </p:bldLst>
+  </p:timing>
+</p:sld>
+</file>
+
+<file path=ppt/slides/slide4.xml><?xml version="1.0" encoding="utf-8"?>
 <p:sld xmlns:a="http://schemas.openxmlformats.org/drawingml/2006/main" xmlns:r="http://schemas.openxmlformats.org/officeDocument/2006/relationships" xmlns:p="http://schemas.openxmlformats.org/presentationml/2006/main">
   <p:cSld>
     <p:bg>
@@ -7088,10 +7893,10 @@
       </p:sp>
       <p:pic>
         <p:nvPicPr>
-          <p:cNvPr id="8" name="Espace réservé du contenu 7">
-            <a:extLst>
-              <a:ext uri="{FF2B5EF4-FFF2-40B4-BE49-F238E27FC236}">
-                <a16:creationId xmlns:a16="http://schemas.microsoft.com/office/drawing/2014/main" id="{AD6F5011-B263-2346-8341-04AAEAF5583F}"/>
+          <p:cNvPr id="4" name="Image 3">
+            <a:extLst>
+              <a:ext uri="{FF2B5EF4-FFF2-40B4-BE49-F238E27FC236}">
+                <a16:creationId xmlns:a16="http://schemas.microsoft.com/office/drawing/2014/main" id="{C127E1EC-78B2-8F49-AE82-6422FADD0F25}"/>
               </a:ext>
             </a:extLst>
           </p:cNvPr>
@@ -7108,8 +7913,8 @@
         </p:blipFill>
         <p:spPr>
           <a:xfrm>
-            <a:off x="1950720" y="1148307"/>
-            <a:ext cx="9479281" cy="5284699"/>
+            <a:off x="1728439" y="1032931"/>
+            <a:ext cx="9556596" cy="5580669"/>
           </a:xfrm>
           <a:prstGeom prst="rect">
             <a:avLst/>
@@ -7129,7 +7934,7 @@
 </p:sld>
 </file>
 
-<file path=ppt/slides/slide11.xml><?xml version="1.0" encoding="utf-8"?>
+<file path=ppt/slides/slide5.xml><?xml version="1.0" encoding="utf-8"?>
 <p:sld xmlns:a="http://schemas.openxmlformats.org/drawingml/2006/main" xmlns:r="http://schemas.openxmlformats.org/officeDocument/2006/relationships" xmlns:p="http://schemas.openxmlformats.org/presentationml/2006/main">
   <p:cSld>
     <p:bg>
@@ -7446,3559 +8251,6 @@
     <p:extLst>
       <p:ext uri="{BB962C8B-B14F-4D97-AF65-F5344CB8AC3E}">
         <p14:creationId xmlns:p14="http://schemas.microsoft.com/office/powerpoint/2010/main" val="1271067451"/>
-      </p:ext>
-    </p:extLst>
-  </p:cSld>
-  <p:clrMapOvr>
-    <a:masterClrMapping/>
-  </p:clrMapOvr>
-</p:sld>
-</file>
-
-<file path=ppt/slides/slide2.xml><?xml version="1.0" encoding="utf-8"?>
-<p:sld xmlns:a="http://schemas.openxmlformats.org/drawingml/2006/main" xmlns:r="http://schemas.openxmlformats.org/officeDocument/2006/relationships" xmlns:p="http://schemas.openxmlformats.org/presentationml/2006/main">
-  <p:cSld>
-    <p:bg>
-      <p:bgPr>
-        <a:solidFill>
-          <a:schemeClr val="bg1"/>
-        </a:solidFill>
-        <a:effectLst/>
-      </p:bgPr>
-    </p:bg>
-    <p:spTree>
-      <p:nvGrpSpPr>
-        <p:cNvPr id="1" name=""/>
-        <p:cNvGrpSpPr/>
-        <p:nvPr/>
-      </p:nvGrpSpPr>
-      <p:grpSpPr>
-        <a:xfrm>
-          <a:off x="0" y="0"/>
-          <a:ext cx="0" cy="0"/>
-          <a:chOff x="0" y="0"/>
-          <a:chExt cx="0" cy="0"/>
-        </a:xfrm>
-      </p:grpSpPr>
-      <p:sp useBgFill="1">
-        <p:nvSpPr>
-          <p:cNvPr id="10" name="Rectangle 9">
-            <a:extLst>
-              <a:ext uri="{FF2B5EF4-FFF2-40B4-BE49-F238E27FC236}">
-                <a16:creationId xmlns:a16="http://schemas.microsoft.com/office/drawing/2014/main" id="{84136905-015B-4510-B514-027CBA846BD6}"/>
-              </a:ext>
-              <a:ext uri="{C183D7F6-B498-43B3-948B-1728B52AA6E4}">
-                <adec:decorative xmlns:adec="http://schemas.microsoft.com/office/drawing/2017/decorative" val="1"/>
-              </a:ext>
-            </a:extLst>
-          </p:cNvPr>
-          <p:cNvSpPr>
-            <a:spLocks noGrp="1" noRot="1" noChangeAspect="1" noMove="1" noResize="1" noEditPoints="1" noAdjustHandles="1" noChangeArrowheads="1" noChangeShapeType="1" noTextEdit="1"/>
-          </p:cNvSpPr>
-          <p:nvPr>
-            <p:extLst>
-              <p:ext uri="{386F3935-93C4-4BCD-93E2-E3B085C9AB24}">
-                <p16:designElem xmlns:p16="http://schemas.microsoft.com/office/powerpoint/2015/main" val="1"/>
-              </p:ext>
-            </p:extLst>
-          </p:nvPr>
-        </p:nvSpPr>
-        <p:spPr>
-          <a:xfrm>
-            <a:off x="0" y="0"/>
-            <a:ext cx="12192000" cy="6858000"/>
-          </a:xfrm>
-          <a:prstGeom prst="rect">
-            <a:avLst/>
-          </a:prstGeom>
-          <a:ln>
-            <a:noFill/>
-          </a:ln>
-        </p:spPr>
-        <p:style>
-          <a:lnRef idx="2">
-            <a:schemeClr val="accent1">
-              <a:shade val="50000"/>
-            </a:schemeClr>
-          </a:lnRef>
-          <a:fillRef idx="1">
-            <a:schemeClr val="accent1"/>
-          </a:fillRef>
-          <a:effectRef idx="0">
-            <a:schemeClr val="accent1"/>
-          </a:effectRef>
-          <a:fontRef idx="minor">
-            <a:schemeClr val="lt1"/>
-          </a:fontRef>
-        </p:style>
-        <p:txBody>
-          <a:bodyPr rtlCol="0" anchor="ctr"/>
-          <a:lstStyle/>
-          <a:p>
-            <a:pPr algn="ctr"/>
-            <a:endParaRPr lang="en-US"/>
-          </a:p>
-        </p:txBody>
-      </p:sp>
-      <p:sp>
-        <p:nvSpPr>
-          <p:cNvPr id="12" name="Rectangle 11">
-            <a:extLst>
-              <a:ext uri="{FF2B5EF4-FFF2-40B4-BE49-F238E27FC236}">
-                <a16:creationId xmlns:a16="http://schemas.microsoft.com/office/drawing/2014/main" id="{36CD0F97-2E5B-4E84-8544-EB24DED10446}"/>
-              </a:ext>
-              <a:ext uri="{C183D7F6-B498-43B3-948B-1728B52AA6E4}">
-                <adec:decorative xmlns:adec="http://schemas.microsoft.com/office/drawing/2017/decorative" val="1"/>
-              </a:ext>
-            </a:extLst>
-          </p:cNvPr>
-          <p:cNvSpPr>
-            <a:spLocks noGrp="1" noRot="1" noChangeAspect="1" noMove="1" noResize="1" noEditPoints="1" noAdjustHandles="1" noChangeArrowheads="1" noChangeShapeType="1" noTextEdit="1"/>
-          </p:cNvSpPr>
-          <p:nvPr>
-            <p:extLst>
-              <p:ext uri="{386F3935-93C4-4BCD-93E2-E3B085C9AB24}">
-                <p16:designElem xmlns:p16="http://schemas.microsoft.com/office/powerpoint/2015/main" val="1"/>
-              </p:ext>
-            </p:extLst>
-          </p:nvPr>
-        </p:nvSpPr>
-        <p:spPr>
-          <a:xfrm>
-            <a:off x="0" y="-2"/>
-            <a:ext cx="12192000" cy="6858001"/>
-          </a:xfrm>
-          <a:prstGeom prst="rect">
-            <a:avLst/>
-          </a:prstGeom>
-          <a:gradFill flip="none" rotWithShape="1">
-            <a:gsLst>
-              <a:gs pos="10000">
-                <a:schemeClr val="accent5"/>
-              </a:gs>
-              <a:gs pos="90000">
-                <a:schemeClr val="accent1"/>
-              </a:gs>
-              <a:gs pos="70000">
-                <a:schemeClr val="accent2"/>
-              </a:gs>
-              <a:gs pos="30000">
-                <a:schemeClr val="accent4"/>
-              </a:gs>
-              <a:gs pos="50000">
-                <a:schemeClr val="accent3">
-                  <a:lumMod val="60000"/>
-                  <a:lumOff val="40000"/>
-                </a:schemeClr>
-              </a:gs>
-            </a:gsLst>
-            <a:lin ang="7200000" scaled="0"/>
-            <a:tileRect/>
-          </a:gradFill>
-          <a:ln>
-            <a:noFill/>
-          </a:ln>
-        </p:spPr>
-        <p:style>
-          <a:lnRef idx="2">
-            <a:schemeClr val="accent1">
-              <a:shade val="50000"/>
-            </a:schemeClr>
-          </a:lnRef>
-          <a:fillRef idx="1">
-            <a:schemeClr val="accent1"/>
-          </a:fillRef>
-          <a:effectRef idx="0">
-            <a:schemeClr val="accent1"/>
-          </a:effectRef>
-          <a:fontRef idx="minor">
-            <a:schemeClr val="lt1"/>
-          </a:fontRef>
-        </p:style>
-        <p:txBody>
-          <a:bodyPr rtlCol="0" anchor="ctr"/>
-          <a:lstStyle/>
-          <a:p>
-            <a:pPr algn="ctr"/>
-            <a:endParaRPr lang="en-US"/>
-          </a:p>
-        </p:txBody>
-      </p:sp>
-      <p:sp useBgFill="1">
-        <p:nvSpPr>
-          <p:cNvPr id="14" name="Rectangle 13">
-            <a:extLst>
-              <a:ext uri="{FF2B5EF4-FFF2-40B4-BE49-F238E27FC236}">
-                <a16:creationId xmlns:a16="http://schemas.microsoft.com/office/drawing/2014/main" id="{3B272257-593A-402F-88FA-F1DECD9E3FC4}"/>
-              </a:ext>
-              <a:ext uri="{C183D7F6-B498-43B3-948B-1728B52AA6E4}">
-                <adec:decorative xmlns:adec="http://schemas.microsoft.com/office/drawing/2017/decorative" val="1"/>
-              </a:ext>
-            </a:extLst>
-          </p:cNvPr>
-          <p:cNvSpPr>
-            <a:spLocks noGrp="1" noRot="1" noChangeAspect="1" noMove="1" noResize="1" noEditPoints="1" noAdjustHandles="1" noChangeArrowheads="1" noChangeShapeType="1" noTextEdit="1"/>
-          </p:cNvSpPr>
-          <p:nvPr>
-            <p:extLst>
-              <p:ext uri="{386F3935-93C4-4BCD-93E2-E3B085C9AB24}">
-                <p16:designElem xmlns:p16="http://schemas.microsoft.com/office/powerpoint/2015/main" val="1"/>
-              </p:ext>
-            </p:extLst>
-          </p:nvPr>
-        </p:nvSpPr>
-        <p:spPr>
-          <a:xfrm>
-            <a:off x="762000" y="758952"/>
-            <a:ext cx="10668000" cy="5340096"/>
-          </a:xfrm>
-          <a:prstGeom prst="rect">
-            <a:avLst/>
-          </a:prstGeom>
-          <a:ln w="76200">
-            <a:noFill/>
-          </a:ln>
-        </p:spPr>
-        <p:style>
-          <a:lnRef idx="2">
-            <a:schemeClr val="accent1">
-              <a:shade val="50000"/>
-            </a:schemeClr>
-          </a:lnRef>
-          <a:fillRef idx="1">
-            <a:schemeClr val="accent1"/>
-          </a:fillRef>
-          <a:effectRef idx="0">
-            <a:schemeClr val="accent1"/>
-          </a:effectRef>
-          <a:fontRef idx="minor">
-            <a:schemeClr val="lt1"/>
-          </a:fontRef>
-        </p:style>
-        <p:txBody>
-          <a:bodyPr rtlCol="0" anchor="ctr"/>
-          <a:lstStyle/>
-          <a:p>
-            <a:pPr algn="ctr"/>
-            <a:endParaRPr lang="en-US"/>
-          </a:p>
-        </p:txBody>
-      </p:sp>
-      <p:sp>
-        <p:nvSpPr>
-          <p:cNvPr id="2" name="Titre 1">
-            <a:extLst>
-              <a:ext uri="{FF2B5EF4-FFF2-40B4-BE49-F238E27FC236}">
-                <a16:creationId xmlns:a16="http://schemas.microsoft.com/office/drawing/2014/main" id="{51FB8C4C-329B-2148-8D62-A8B8449D0412}"/>
-              </a:ext>
-            </a:extLst>
-          </p:cNvPr>
-          <p:cNvSpPr>
-            <a:spLocks noGrp="1"/>
-          </p:cNvSpPr>
-          <p:nvPr>
-            <p:ph type="title"/>
-          </p:nvPr>
-        </p:nvSpPr>
-        <p:spPr>
-          <a:xfrm>
-            <a:off x="5411874" y="1517903"/>
-            <a:ext cx="5250030" cy="1345115"/>
-          </a:xfrm>
-        </p:spPr>
-        <p:txBody>
-          <a:bodyPr>
-            <a:normAutofit/>
-          </a:bodyPr>
-          <a:lstStyle/>
-          <a:p>
-            <a:r>
-              <a:rPr lang="fr-FR" dirty="0"/>
-              <a:t>Sommaire</a:t>
-            </a:r>
-          </a:p>
-        </p:txBody>
-      </p:sp>
-      <p:pic>
-        <p:nvPicPr>
-          <p:cNvPr id="7" name="Graphic 6" descr="Game controller">
-            <a:extLst>
-              <a:ext uri="{FF2B5EF4-FFF2-40B4-BE49-F238E27FC236}">
-                <a16:creationId xmlns:a16="http://schemas.microsoft.com/office/drawing/2014/main" id="{C8C0CDEC-2EEB-49F5-B8B7-F3A062BA7790}"/>
-              </a:ext>
-            </a:extLst>
-          </p:cNvPr>
-          <p:cNvPicPr>
-            <a:picLocks noChangeAspect="1"/>
-          </p:cNvPicPr>
-          <p:nvPr/>
-        </p:nvPicPr>
-        <p:blipFill>
-          <a:blip r:embed="rId2">
-            <a:extLst>
-              <a:ext uri="{28A0092B-C50C-407E-A947-70E740481C1C}">
-                <a14:useLocalDpi xmlns:a14="http://schemas.microsoft.com/office/drawing/2010/main" val="0"/>
-              </a:ext>
-              <a:ext uri="{96DAC541-7B7A-43D3-8B79-37D633B846F1}">
-                <asvg:svgBlip xmlns:asvg="http://schemas.microsoft.com/office/drawing/2016/SVG/main" r:embed="rId3"/>
-              </a:ext>
-            </a:extLst>
-          </a:blip>
-          <a:stretch>
-            <a:fillRect/>
-          </a:stretch>
-        </p:blipFill>
-        <p:spPr>
-          <a:xfrm>
-            <a:off x="1524000" y="1864539"/>
-            <a:ext cx="3128922" cy="3128922"/>
-          </a:xfrm>
-          <a:prstGeom prst="rect">
-            <a:avLst/>
-          </a:prstGeom>
-        </p:spPr>
-      </p:pic>
-      <p:sp>
-        <p:nvSpPr>
-          <p:cNvPr id="3" name="Espace réservé du contenu 2">
-            <a:extLst>
-              <a:ext uri="{FF2B5EF4-FFF2-40B4-BE49-F238E27FC236}">
-                <a16:creationId xmlns:a16="http://schemas.microsoft.com/office/drawing/2014/main" id="{893501CB-3B8B-4F44-810D-1677CE8C757C}"/>
-              </a:ext>
-            </a:extLst>
-          </p:cNvPr>
-          <p:cNvSpPr>
-            <a:spLocks noGrp="1"/>
-          </p:cNvSpPr>
-          <p:nvPr>
-            <p:ph idx="1"/>
-          </p:nvPr>
-        </p:nvSpPr>
-        <p:spPr>
-          <a:xfrm>
-            <a:off x="5411874" y="2970222"/>
-            <a:ext cx="5250030" cy="2610771"/>
-          </a:xfrm>
-        </p:spPr>
-        <p:txBody>
-          <a:bodyPr>
-            <a:normAutofit/>
-          </a:bodyPr>
-          <a:lstStyle/>
-          <a:p>
-            <a:pPr marL="514350" indent="-514350">
-              <a:buFont typeface="+mj-lt"/>
-              <a:buAutoNum type="arabicPeriod"/>
-            </a:pPr>
-            <a:r>
-              <a:rPr lang="fr-FR" dirty="0"/>
-              <a:t>Fonctionnement du jeu</a:t>
-            </a:r>
-          </a:p>
-          <a:p>
-            <a:pPr marL="514350" indent="-514350">
-              <a:buFont typeface="+mj-lt"/>
-              <a:buAutoNum type="arabicPeriod"/>
-            </a:pPr>
-            <a:r>
-              <a:rPr lang="fr-FR" dirty="0"/>
-              <a:t>Diagramme de classe</a:t>
-            </a:r>
-          </a:p>
-          <a:p>
-            <a:pPr marL="514350" indent="-514350">
-              <a:buFont typeface="+mj-lt"/>
-              <a:buAutoNum type="arabicPeriod"/>
-            </a:pPr>
-            <a:r>
-              <a:rPr lang="fr-FR" dirty="0"/>
-              <a:t>Conclusion</a:t>
-            </a:r>
-          </a:p>
-        </p:txBody>
-      </p:sp>
-    </p:spTree>
-    <p:extLst>
-      <p:ext uri="{BB962C8B-B14F-4D97-AF65-F5344CB8AC3E}">
-        <p14:creationId xmlns:p14="http://schemas.microsoft.com/office/powerpoint/2010/main" val="1021502982"/>
-      </p:ext>
-    </p:extLst>
-  </p:cSld>
-  <p:clrMapOvr>
-    <a:masterClrMapping/>
-  </p:clrMapOvr>
-</p:sld>
-</file>
-
-<file path=ppt/slides/slide3.xml><?xml version="1.0" encoding="utf-8"?>
-<p:sld xmlns:a="http://schemas.openxmlformats.org/drawingml/2006/main" xmlns:r="http://schemas.openxmlformats.org/officeDocument/2006/relationships" xmlns:p="http://schemas.openxmlformats.org/presentationml/2006/main">
-  <p:cSld>
-    <p:bg>
-      <p:bgPr>
-        <a:solidFill>
-          <a:schemeClr val="bg1"/>
-        </a:solidFill>
-        <a:effectLst/>
-      </p:bgPr>
-    </p:bg>
-    <p:spTree>
-      <p:nvGrpSpPr>
-        <p:cNvPr id="1" name=""/>
-        <p:cNvGrpSpPr/>
-        <p:nvPr/>
-      </p:nvGrpSpPr>
-      <p:grpSpPr>
-        <a:xfrm>
-          <a:off x="0" y="0"/>
-          <a:ext cx="0" cy="0"/>
-          <a:chOff x="0" y="0"/>
-          <a:chExt cx="0" cy="0"/>
-        </a:xfrm>
-      </p:grpSpPr>
-      <p:sp useBgFill="1">
-        <p:nvSpPr>
-          <p:cNvPr id="14" name="Rectangle 13">
-            <a:extLst>
-              <a:ext uri="{FF2B5EF4-FFF2-40B4-BE49-F238E27FC236}">
-                <a16:creationId xmlns:a16="http://schemas.microsoft.com/office/drawing/2014/main" id="{84136905-015B-4510-B514-027CBA846BD6}"/>
-              </a:ext>
-              <a:ext uri="{C183D7F6-B498-43B3-948B-1728B52AA6E4}">
-                <adec:decorative xmlns:adec="http://schemas.microsoft.com/office/drawing/2017/decorative" val="1"/>
-              </a:ext>
-            </a:extLst>
-          </p:cNvPr>
-          <p:cNvSpPr>
-            <a:spLocks noGrp="1" noRot="1" noChangeAspect="1" noMove="1" noResize="1" noEditPoints="1" noAdjustHandles="1" noChangeArrowheads="1" noChangeShapeType="1" noTextEdit="1"/>
-          </p:cNvSpPr>
-          <p:nvPr>
-            <p:extLst>
-              <p:ext uri="{386F3935-93C4-4BCD-93E2-E3B085C9AB24}">
-                <p16:designElem xmlns:p16="http://schemas.microsoft.com/office/powerpoint/2015/main" val="1"/>
-              </p:ext>
-            </p:extLst>
-          </p:nvPr>
-        </p:nvSpPr>
-        <p:spPr>
-          <a:xfrm>
-            <a:off x="0" y="0"/>
-            <a:ext cx="12192000" cy="6858000"/>
-          </a:xfrm>
-          <a:prstGeom prst="rect">
-            <a:avLst/>
-          </a:prstGeom>
-          <a:ln>
-            <a:noFill/>
-          </a:ln>
-        </p:spPr>
-        <p:style>
-          <a:lnRef idx="2">
-            <a:schemeClr val="accent1">
-              <a:shade val="50000"/>
-            </a:schemeClr>
-          </a:lnRef>
-          <a:fillRef idx="1">
-            <a:schemeClr val="accent1"/>
-          </a:fillRef>
-          <a:effectRef idx="0">
-            <a:schemeClr val="accent1"/>
-          </a:effectRef>
-          <a:fontRef idx="minor">
-            <a:schemeClr val="lt1"/>
-          </a:fontRef>
-        </p:style>
-        <p:txBody>
-          <a:bodyPr rtlCol="0" anchor="ctr"/>
-          <a:lstStyle/>
-          <a:p>
-            <a:pPr algn="ctr"/>
-            <a:endParaRPr lang="en-US"/>
-          </a:p>
-        </p:txBody>
-      </p:sp>
-      <p:sp>
-        <p:nvSpPr>
-          <p:cNvPr id="16" name="Rectangle 15">
-            <a:extLst>
-              <a:ext uri="{FF2B5EF4-FFF2-40B4-BE49-F238E27FC236}">
-                <a16:creationId xmlns:a16="http://schemas.microsoft.com/office/drawing/2014/main" id="{36CD0F97-2E5B-4E84-8544-EB24DED10446}"/>
-              </a:ext>
-              <a:ext uri="{C183D7F6-B498-43B3-948B-1728B52AA6E4}">
-                <adec:decorative xmlns:adec="http://schemas.microsoft.com/office/drawing/2017/decorative" val="1"/>
-              </a:ext>
-            </a:extLst>
-          </p:cNvPr>
-          <p:cNvSpPr>
-            <a:spLocks noGrp="1" noRot="1" noChangeAspect="1" noMove="1" noResize="1" noEditPoints="1" noAdjustHandles="1" noChangeArrowheads="1" noChangeShapeType="1" noTextEdit="1"/>
-          </p:cNvSpPr>
-          <p:nvPr>
-            <p:extLst>
-              <p:ext uri="{386F3935-93C4-4BCD-93E2-E3B085C9AB24}">
-                <p16:designElem xmlns:p16="http://schemas.microsoft.com/office/powerpoint/2015/main" val="1"/>
-              </p:ext>
-            </p:extLst>
-          </p:nvPr>
-        </p:nvSpPr>
-        <p:spPr>
-          <a:xfrm>
-            <a:off x="0" y="0"/>
-            <a:ext cx="12192000" cy="6099048"/>
-          </a:xfrm>
-          <a:prstGeom prst="rect">
-            <a:avLst/>
-          </a:prstGeom>
-          <a:gradFill flip="none" rotWithShape="1">
-            <a:gsLst>
-              <a:gs pos="10000">
-                <a:schemeClr val="accent5"/>
-              </a:gs>
-              <a:gs pos="90000">
-                <a:schemeClr val="accent1"/>
-              </a:gs>
-              <a:gs pos="70000">
-                <a:schemeClr val="accent2"/>
-              </a:gs>
-              <a:gs pos="30000">
-                <a:schemeClr val="accent4"/>
-              </a:gs>
-              <a:gs pos="50000">
-                <a:schemeClr val="accent3">
-                  <a:lumMod val="60000"/>
-                  <a:lumOff val="40000"/>
-                </a:schemeClr>
-              </a:gs>
-            </a:gsLst>
-            <a:lin ang="7200000" scaled="0"/>
-            <a:tileRect/>
-          </a:gradFill>
-          <a:ln>
-            <a:noFill/>
-          </a:ln>
-        </p:spPr>
-        <p:style>
-          <a:lnRef idx="2">
-            <a:schemeClr val="accent1">
-              <a:shade val="50000"/>
-            </a:schemeClr>
-          </a:lnRef>
-          <a:fillRef idx="1">
-            <a:schemeClr val="accent1"/>
-          </a:fillRef>
-          <a:effectRef idx="0">
-            <a:schemeClr val="accent1"/>
-          </a:effectRef>
-          <a:fontRef idx="minor">
-            <a:schemeClr val="lt1"/>
-          </a:fontRef>
-        </p:style>
-        <p:txBody>
-          <a:bodyPr rtlCol="0" anchor="ctr"/>
-          <a:lstStyle/>
-          <a:p>
-            <a:pPr algn="ctr"/>
-            <a:endParaRPr lang="en-US"/>
-          </a:p>
-        </p:txBody>
-      </p:sp>
-      <p:sp useBgFill="1">
-        <p:nvSpPr>
-          <p:cNvPr id="18" name="Freeform: Shape 17">
-            <a:extLst>
-              <a:ext uri="{FF2B5EF4-FFF2-40B4-BE49-F238E27FC236}">
-                <a16:creationId xmlns:a16="http://schemas.microsoft.com/office/drawing/2014/main" id="{18E670AF-873F-44DB-9862-796E652EECDB}"/>
-              </a:ext>
-              <a:ext uri="{C183D7F6-B498-43B3-948B-1728B52AA6E4}">
-                <adec:decorative xmlns:adec="http://schemas.microsoft.com/office/drawing/2017/decorative" val="1"/>
-              </a:ext>
-            </a:extLst>
-          </p:cNvPr>
-          <p:cNvSpPr>
-            <a:spLocks noGrp="1" noRot="1" noChangeAspect="1" noMove="1" noResize="1" noEditPoints="1" noAdjustHandles="1" noChangeArrowheads="1" noChangeShapeType="1" noTextEdit="1"/>
-          </p:cNvSpPr>
-          <p:nvPr>
-            <p:extLst>
-              <p:ext uri="{386F3935-93C4-4BCD-93E2-E3B085C9AB24}">
-                <p16:designElem xmlns:p16="http://schemas.microsoft.com/office/powerpoint/2015/main" val="1"/>
-              </p:ext>
-            </p:extLst>
-          </p:nvPr>
-        </p:nvSpPr>
-        <p:spPr>
-          <a:xfrm>
-            <a:off x="0" y="-1"/>
-            <a:ext cx="11430001" cy="6175613"/>
-          </a:xfrm>
-          <a:custGeom>
-            <a:avLst/>
-            <a:gdLst>
-              <a:gd name="connsiteX0" fmla="*/ 0 w 11430001"/>
-              <a:gd name="connsiteY0" fmla="*/ 0 h 6175613"/>
-              <a:gd name="connsiteX1" fmla="*/ 5638031 w 11430001"/>
-              <a:gd name="connsiteY1" fmla="*/ 0 h 6175613"/>
-              <a:gd name="connsiteX2" fmla="*/ 5638031 w 11430001"/>
-              <a:gd name="connsiteY2" fmla="*/ 758954 h 6175613"/>
-              <a:gd name="connsiteX3" fmla="*/ 11430001 w 11430001"/>
-              <a:gd name="connsiteY3" fmla="*/ 758954 h 6175613"/>
-              <a:gd name="connsiteX4" fmla="*/ 11430001 w 11430001"/>
-              <a:gd name="connsiteY4" fmla="*/ 6175613 h 6175613"/>
-              <a:gd name="connsiteX5" fmla="*/ 5638031 w 11430001"/>
-              <a:gd name="connsiteY5" fmla="*/ 6175613 h 6175613"/>
-              <a:gd name="connsiteX6" fmla="*/ 5240741 w 11430001"/>
-              <a:gd name="connsiteY6" fmla="*/ 6175613 h 6175613"/>
-              <a:gd name="connsiteX7" fmla="*/ 0 w 11430001"/>
-              <a:gd name="connsiteY7" fmla="*/ 6175613 h 6175613"/>
-            </a:gdLst>
-            <a:ahLst/>
-            <a:cxnLst>
-              <a:cxn ang="0">
-                <a:pos x="connsiteX0" y="connsiteY0"/>
-              </a:cxn>
-              <a:cxn ang="0">
-                <a:pos x="connsiteX1" y="connsiteY1"/>
-              </a:cxn>
-              <a:cxn ang="0">
-                <a:pos x="connsiteX2" y="connsiteY2"/>
-              </a:cxn>
-              <a:cxn ang="0">
-                <a:pos x="connsiteX3" y="connsiteY3"/>
-              </a:cxn>
-              <a:cxn ang="0">
-                <a:pos x="connsiteX4" y="connsiteY4"/>
-              </a:cxn>
-              <a:cxn ang="0">
-                <a:pos x="connsiteX5" y="connsiteY5"/>
-              </a:cxn>
-              <a:cxn ang="0">
-                <a:pos x="connsiteX6" y="connsiteY6"/>
-              </a:cxn>
-              <a:cxn ang="0">
-                <a:pos x="connsiteX7" y="connsiteY7"/>
-              </a:cxn>
-            </a:cxnLst>
-            <a:rect l="l" t="t" r="r" b="b"/>
-            <a:pathLst>
-              <a:path w="11430001" h="6175613">
-                <a:moveTo>
-                  <a:pt x="0" y="0"/>
-                </a:moveTo>
-                <a:lnTo>
-                  <a:pt x="5638031" y="0"/>
-                </a:lnTo>
-                <a:lnTo>
-                  <a:pt x="5638031" y="758954"/>
-                </a:lnTo>
-                <a:lnTo>
-                  <a:pt x="11430001" y="758954"/>
-                </a:lnTo>
-                <a:lnTo>
-                  <a:pt x="11430001" y="6175613"/>
-                </a:lnTo>
-                <a:lnTo>
-                  <a:pt x="5638031" y="6175613"/>
-                </a:lnTo>
-                <a:lnTo>
-                  <a:pt x="5240741" y="6175613"/>
-                </a:lnTo>
-                <a:lnTo>
-                  <a:pt x="0" y="6175613"/>
-                </a:lnTo>
-                <a:close/>
-              </a:path>
-            </a:pathLst>
-          </a:custGeom>
-          <a:ln>
-            <a:noFill/>
-          </a:ln>
-        </p:spPr>
-        <p:style>
-          <a:lnRef idx="2">
-            <a:schemeClr val="accent1">
-              <a:shade val="50000"/>
-            </a:schemeClr>
-          </a:lnRef>
-          <a:fillRef idx="1">
-            <a:schemeClr val="accent1"/>
-          </a:fillRef>
-          <a:effectRef idx="0">
-            <a:schemeClr val="accent1"/>
-          </a:effectRef>
-          <a:fontRef idx="minor">
-            <a:schemeClr val="lt1"/>
-          </a:fontRef>
-        </p:style>
-        <p:txBody>
-          <a:bodyPr wrap="square" rtlCol="0" anchor="ctr">
-            <a:noAutofit/>
-          </a:bodyPr>
-          <a:lstStyle/>
-          <a:p>
-            <a:pPr algn="ctr"/>
-            <a:endParaRPr lang="en-US"/>
-          </a:p>
-        </p:txBody>
-      </p:sp>
-      <p:sp>
-        <p:nvSpPr>
-          <p:cNvPr id="2" name="Titre 1">
-            <a:extLst>
-              <a:ext uri="{FF2B5EF4-FFF2-40B4-BE49-F238E27FC236}">
-                <a16:creationId xmlns:a16="http://schemas.microsoft.com/office/drawing/2014/main" id="{FB909D40-1F4C-684D-991E-4D7BD6E7665A}"/>
-              </a:ext>
-            </a:extLst>
-          </p:cNvPr>
-          <p:cNvSpPr>
-            <a:spLocks noGrp="1"/>
-          </p:cNvSpPr>
-          <p:nvPr>
-            <p:ph type="title"/>
-          </p:nvPr>
-        </p:nvSpPr>
-        <p:spPr>
-          <a:xfrm>
-            <a:off x="762000" y="758953"/>
-            <a:ext cx="4089779" cy="2028388"/>
-          </a:xfrm>
-        </p:spPr>
-        <p:txBody>
-          <a:bodyPr anchor="ctr">
-            <a:normAutofit/>
-          </a:bodyPr>
-          <a:lstStyle/>
-          <a:p>
-            <a:r>
-              <a:rPr lang="fr-FR" dirty="0"/>
-              <a:t>Fonctionnement du jeu</a:t>
-            </a:r>
-          </a:p>
-        </p:txBody>
-      </p:sp>
-      <p:sp>
-        <p:nvSpPr>
-          <p:cNvPr id="7" name="Espace réservé du contenu 6">
-            <a:extLst>
-              <a:ext uri="{FF2B5EF4-FFF2-40B4-BE49-F238E27FC236}">
-                <a16:creationId xmlns:a16="http://schemas.microsoft.com/office/drawing/2014/main" id="{F6D3B091-85C8-4948-BAEA-179E5BFC6CA6}"/>
-              </a:ext>
-            </a:extLst>
-          </p:cNvPr>
-          <p:cNvSpPr>
-            <a:spLocks noGrp="1"/>
-          </p:cNvSpPr>
-          <p:nvPr>
-            <p:ph idx="1"/>
-          </p:nvPr>
-        </p:nvSpPr>
-        <p:spPr>
-          <a:xfrm>
-            <a:off x="762000" y="2893326"/>
-            <a:ext cx="4089779" cy="3202674"/>
-          </a:xfrm>
-        </p:spPr>
-        <p:txBody>
-          <a:bodyPr anchor="t">
-            <a:normAutofit/>
-          </a:bodyPr>
-          <a:lstStyle/>
-          <a:p>
-            <a:r>
-              <a:rPr lang="fr-FR" dirty="0"/>
-              <a:t>Choix du pseudo</a:t>
-            </a:r>
-          </a:p>
-          <a:p>
-            <a:endParaRPr lang="fr-FR" dirty="0"/>
-          </a:p>
-        </p:txBody>
-      </p:sp>
-      <p:pic>
-        <p:nvPicPr>
-          <p:cNvPr id="10" name="Image 9">
-            <a:extLst>
-              <a:ext uri="{FF2B5EF4-FFF2-40B4-BE49-F238E27FC236}">
-                <a16:creationId xmlns:a16="http://schemas.microsoft.com/office/drawing/2014/main" id="{6FD715E4-ECD1-0443-A23B-0531B14649A7}"/>
-              </a:ext>
-            </a:extLst>
-          </p:cNvPr>
-          <p:cNvPicPr>
-            <a:picLocks noChangeAspect="1"/>
-          </p:cNvPicPr>
-          <p:nvPr/>
-        </p:nvPicPr>
-        <p:blipFill>
-          <a:blip r:embed="rId2">
-            <a:alphaModFix/>
-            <a:extLst>
-              <a:ext uri="{28A0092B-C50C-407E-A947-70E740481C1C}">
-                <a14:useLocalDpi xmlns:a14="http://schemas.microsoft.com/office/drawing/2010/main" val="0"/>
-              </a:ext>
-            </a:extLst>
-          </a:blip>
-          <a:stretch>
-            <a:fillRect/>
-          </a:stretch>
-        </p:blipFill>
-        <p:spPr>
-          <a:xfrm>
-            <a:off x="761999" y="4350510"/>
-            <a:ext cx="10515791" cy="1234765"/>
-          </a:xfrm>
-          <a:prstGeom prst="roundRect">
-            <a:avLst>
-              <a:gd name="adj" fmla="val 16667"/>
-            </a:avLst>
-          </a:prstGeom>
-          <a:ln>
-            <a:noFill/>
-          </a:ln>
-          <a:effectLst>
-            <a:outerShdw blurRad="76200" dist="38100" dir="7800000" algn="tl" rotWithShape="0">
-              <a:srgbClr val="000000">
-                <a:alpha val="40000"/>
-              </a:srgbClr>
-            </a:outerShdw>
-          </a:effectLst>
-          <a:scene3d>
-            <a:camera prst="orthographicFront"/>
-            <a:lightRig rig="contrasting" dir="t">
-              <a:rot lat="0" lon="0" rev="4200000"/>
-            </a:lightRig>
-          </a:scene3d>
-          <a:sp3d prstMaterial="plastic">
-            <a:bevelT w="381000" h="114300" prst="relaxedInset"/>
-            <a:contourClr>
-              <a:srgbClr val="969696"/>
-            </a:contourClr>
-          </a:sp3d>
-        </p:spPr>
-      </p:pic>
-    </p:spTree>
-    <p:extLst>
-      <p:ext uri="{BB962C8B-B14F-4D97-AF65-F5344CB8AC3E}">
-        <p14:creationId xmlns:p14="http://schemas.microsoft.com/office/powerpoint/2010/main" val="3715062951"/>
-      </p:ext>
-    </p:extLst>
-  </p:cSld>
-  <p:clrMapOvr>
-    <a:masterClrMapping/>
-  </p:clrMapOvr>
-</p:sld>
-</file>
-
-<file path=ppt/slides/slide4.xml><?xml version="1.0" encoding="utf-8"?>
-<p:sld xmlns:a="http://schemas.openxmlformats.org/drawingml/2006/main" xmlns:r="http://schemas.openxmlformats.org/officeDocument/2006/relationships" xmlns:p="http://schemas.openxmlformats.org/presentationml/2006/main">
-  <p:cSld>
-    <p:bg>
-      <p:bgPr>
-        <a:solidFill>
-          <a:schemeClr val="bg1"/>
-        </a:solidFill>
-        <a:effectLst/>
-      </p:bgPr>
-    </p:bg>
-    <p:spTree>
-      <p:nvGrpSpPr>
-        <p:cNvPr id="1" name=""/>
-        <p:cNvGrpSpPr/>
-        <p:nvPr/>
-      </p:nvGrpSpPr>
-      <p:grpSpPr>
-        <a:xfrm>
-          <a:off x="0" y="0"/>
-          <a:ext cx="0" cy="0"/>
-          <a:chOff x="0" y="0"/>
-          <a:chExt cx="0" cy="0"/>
-        </a:xfrm>
-      </p:grpSpPr>
-      <p:sp useBgFill="1">
-        <p:nvSpPr>
-          <p:cNvPr id="9" name="Rectangle 8">
-            <a:extLst>
-              <a:ext uri="{FF2B5EF4-FFF2-40B4-BE49-F238E27FC236}">
-                <a16:creationId xmlns:a16="http://schemas.microsoft.com/office/drawing/2014/main" id="{84136905-015B-4510-B514-027CBA846BD6}"/>
-              </a:ext>
-              <a:ext uri="{C183D7F6-B498-43B3-948B-1728B52AA6E4}">
-                <adec:decorative xmlns:adec="http://schemas.microsoft.com/office/drawing/2017/decorative" val="1"/>
-              </a:ext>
-            </a:extLst>
-          </p:cNvPr>
-          <p:cNvSpPr>
-            <a:spLocks noGrp="1" noRot="1" noChangeAspect="1" noMove="1" noResize="1" noEditPoints="1" noAdjustHandles="1" noChangeArrowheads="1" noChangeShapeType="1" noTextEdit="1"/>
-          </p:cNvSpPr>
-          <p:nvPr>
-            <p:extLst>
-              <p:ext uri="{386F3935-93C4-4BCD-93E2-E3B085C9AB24}">
-                <p16:designElem xmlns:p16="http://schemas.microsoft.com/office/powerpoint/2015/main" val="1"/>
-              </p:ext>
-            </p:extLst>
-          </p:nvPr>
-        </p:nvSpPr>
-        <p:spPr>
-          <a:xfrm>
-            <a:off x="0" y="0"/>
-            <a:ext cx="12192000" cy="6858000"/>
-          </a:xfrm>
-          <a:prstGeom prst="rect">
-            <a:avLst/>
-          </a:prstGeom>
-          <a:ln>
-            <a:noFill/>
-          </a:ln>
-        </p:spPr>
-        <p:style>
-          <a:lnRef idx="2">
-            <a:schemeClr val="accent1">
-              <a:shade val="50000"/>
-            </a:schemeClr>
-          </a:lnRef>
-          <a:fillRef idx="1">
-            <a:schemeClr val="accent1"/>
-          </a:fillRef>
-          <a:effectRef idx="0">
-            <a:schemeClr val="accent1"/>
-          </a:effectRef>
-          <a:fontRef idx="minor">
-            <a:schemeClr val="lt1"/>
-          </a:fontRef>
-        </p:style>
-        <p:txBody>
-          <a:bodyPr rtlCol="0" anchor="ctr"/>
-          <a:lstStyle/>
-          <a:p>
-            <a:pPr algn="ctr"/>
-            <a:endParaRPr lang="en-US"/>
-          </a:p>
-        </p:txBody>
-      </p:sp>
-      <p:sp>
-        <p:nvSpPr>
-          <p:cNvPr id="11" name="Rectangle 10">
-            <a:extLst>
-              <a:ext uri="{FF2B5EF4-FFF2-40B4-BE49-F238E27FC236}">
-                <a16:creationId xmlns:a16="http://schemas.microsoft.com/office/drawing/2014/main" id="{36CD0F97-2E5B-4E84-8544-EB24DED10446}"/>
-              </a:ext>
-              <a:ext uri="{C183D7F6-B498-43B3-948B-1728B52AA6E4}">
-                <adec:decorative xmlns:adec="http://schemas.microsoft.com/office/drawing/2017/decorative" val="1"/>
-              </a:ext>
-            </a:extLst>
-          </p:cNvPr>
-          <p:cNvSpPr>
-            <a:spLocks noGrp="1" noRot="1" noChangeAspect="1" noMove="1" noResize="1" noEditPoints="1" noAdjustHandles="1" noChangeArrowheads="1" noChangeShapeType="1" noTextEdit="1"/>
-          </p:cNvSpPr>
-          <p:nvPr>
-            <p:extLst>
-              <p:ext uri="{386F3935-93C4-4BCD-93E2-E3B085C9AB24}">
-                <p16:designElem xmlns:p16="http://schemas.microsoft.com/office/powerpoint/2015/main" val="1"/>
-              </p:ext>
-            </p:extLst>
-          </p:nvPr>
-        </p:nvSpPr>
-        <p:spPr>
-          <a:xfrm>
-            <a:off x="0" y="0"/>
-            <a:ext cx="12192000" cy="6099048"/>
-          </a:xfrm>
-          <a:prstGeom prst="rect">
-            <a:avLst/>
-          </a:prstGeom>
-          <a:gradFill flip="none" rotWithShape="1">
-            <a:gsLst>
-              <a:gs pos="10000">
-                <a:schemeClr val="accent5"/>
-              </a:gs>
-              <a:gs pos="90000">
-                <a:schemeClr val="accent1"/>
-              </a:gs>
-              <a:gs pos="70000">
-                <a:schemeClr val="accent2"/>
-              </a:gs>
-              <a:gs pos="30000">
-                <a:schemeClr val="accent4"/>
-              </a:gs>
-              <a:gs pos="50000">
-                <a:schemeClr val="accent3">
-                  <a:lumMod val="60000"/>
-                  <a:lumOff val="40000"/>
-                </a:schemeClr>
-              </a:gs>
-            </a:gsLst>
-            <a:lin ang="7200000" scaled="0"/>
-            <a:tileRect/>
-          </a:gradFill>
-          <a:ln>
-            <a:noFill/>
-          </a:ln>
-        </p:spPr>
-        <p:style>
-          <a:lnRef idx="2">
-            <a:schemeClr val="accent1">
-              <a:shade val="50000"/>
-            </a:schemeClr>
-          </a:lnRef>
-          <a:fillRef idx="1">
-            <a:schemeClr val="accent1"/>
-          </a:fillRef>
-          <a:effectRef idx="0">
-            <a:schemeClr val="accent1"/>
-          </a:effectRef>
-          <a:fontRef idx="minor">
-            <a:schemeClr val="lt1"/>
-          </a:fontRef>
-        </p:style>
-        <p:txBody>
-          <a:bodyPr rtlCol="0" anchor="ctr"/>
-          <a:lstStyle/>
-          <a:p>
-            <a:pPr algn="ctr"/>
-            <a:endParaRPr lang="en-US"/>
-          </a:p>
-        </p:txBody>
-      </p:sp>
-      <p:sp useBgFill="1">
-        <p:nvSpPr>
-          <p:cNvPr id="13" name="Freeform: Shape 12">
-            <a:extLst>
-              <a:ext uri="{FF2B5EF4-FFF2-40B4-BE49-F238E27FC236}">
-                <a16:creationId xmlns:a16="http://schemas.microsoft.com/office/drawing/2014/main" id="{18E670AF-873F-44DB-9862-796E652EECDB}"/>
-              </a:ext>
-              <a:ext uri="{C183D7F6-B498-43B3-948B-1728B52AA6E4}">
-                <adec:decorative xmlns:adec="http://schemas.microsoft.com/office/drawing/2017/decorative" val="1"/>
-              </a:ext>
-            </a:extLst>
-          </p:cNvPr>
-          <p:cNvSpPr>
-            <a:spLocks noGrp="1" noRot="1" noChangeAspect="1" noMove="1" noResize="1" noEditPoints="1" noAdjustHandles="1" noChangeArrowheads="1" noChangeShapeType="1" noTextEdit="1"/>
-          </p:cNvSpPr>
-          <p:nvPr>
-            <p:extLst>
-              <p:ext uri="{386F3935-93C4-4BCD-93E2-E3B085C9AB24}">
-                <p16:designElem xmlns:p16="http://schemas.microsoft.com/office/powerpoint/2015/main" val="1"/>
-              </p:ext>
-            </p:extLst>
-          </p:nvPr>
-        </p:nvSpPr>
-        <p:spPr>
-          <a:xfrm>
-            <a:off x="0" y="-1"/>
-            <a:ext cx="11430001" cy="6175613"/>
-          </a:xfrm>
-          <a:custGeom>
-            <a:avLst/>
-            <a:gdLst>
-              <a:gd name="connsiteX0" fmla="*/ 0 w 11430001"/>
-              <a:gd name="connsiteY0" fmla="*/ 0 h 6175613"/>
-              <a:gd name="connsiteX1" fmla="*/ 5638031 w 11430001"/>
-              <a:gd name="connsiteY1" fmla="*/ 0 h 6175613"/>
-              <a:gd name="connsiteX2" fmla="*/ 5638031 w 11430001"/>
-              <a:gd name="connsiteY2" fmla="*/ 758954 h 6175613"/>
-              <a:gd name="connsiteX3" fmla="*/ 11430001 w 11430001"/>
-              <a:gd name="connsiteY3" fmla="*/ 758954 h 6175613"/>
-              <a:gd name="connsiteX4" fmla="*/ 11430001 w 11430001"/>
-              <a:gd name="connsiteY4" fmla="*/ 6175613 h 6175613"/>
-              <a:gd name="connsiteX5" fmla="*/ 5638031 w 11430001"/>
-              <a:gd name="connsiteY5" fmla="*/ 6175613 h 6175613"/>
-              <a:gd name="connsiteX6" fmla="*/ 5240741 w 11430001"/>
-              <a:gd name="connsiteY6" fmla="*/ 6175613 h 6175613"/>
-              <a:gd name="connsiteX7" fmla="*/ 0 w 11430001"/>
-              <a:gd name="connsiteY7" fmla="*/ 6175613 h 6175613"/>
-            </a:gdLst>
-            <a:ahLst/>
-            <a:cxnLst>
-              <a:cxn ang="0">
-                <a:pos x="connsiteX0" y="connsiteY0"/>
-              </a:cxn>
-              <a:cxn ang="0">
-                <a:pos x="connsiteX1" y="connsiteY1"/>
-              </a:cxn>
-              <a:cxn ang="0">
-                <a:pos x="connsiteX2" y="connsiteY2"/>
-              </a:cxn>
-              <a:cxn ang="0">
-                <a:pos x="connsiteX3" y="connsiteY3"/>
-              </a:cxn>
-              <a:cxn ang="0">
-                <a:pos x="connsiteX4" y="connsiteY4"/>
-              </a:cxn>
-              <a:cxn ang="0">
-                <a:pos x="connsiteX5" y="connsiteY5"/>
-              </a:cxn>
-              <a:cxn ang="0">
-                <a:pos x="connsiteX6" y="connsiteY6"/>
-              </a:cxn>
-              <a:cxn ang="0">
-                <a:pos x="connsiteX7" y="connsiteY7"/>
-              </a:cxn>
-            </a:cxnLst>
-            <a:rect l="l" t="t" r="r" b="b"/>
-            <a:pathLst>
-              <a:path w="11430001" h="6175613">
-                <a:moveTo>
-                  <a:pt x="0" y="0"/>
-                </a:moveTo>
-                <a:lnTo>
-                  <a:pt x="5638031" y="0"/>
-                </a:lnTo>
-                <a:lnTo>
-                  <a:pt x="5638031" y="758954"/>
-                </a:lnTo>
-                <a:lnTo>
-                  <a:pt x="11430001" y="758954"/>
-                </a:lnTo>
-                <a:lnTo>
-                  <a:pt x="11430001" y="6175613"/>
-                </a:lnTo>
-                <a:lnTo>
-                  <a:pt x="5638031" y="6175613"/>
-                </a:lnTo>
-                <a:lnTo>
-                  <a:pt x="5240741" y="6175613"/>
-                </a:lnTo>
-                <a:lnTo>
-                  <a:pt x="0" y="6175613"/>
-                </a:lnTo>
-                <a:close/>
-              </a:path>
-            </a:pathLst>
-          </a:custGeom>
-          <a:ln>
-            <a:noFill/>
-          </a:ln>
-        </p:spPr>
-        <p:style>
-          <a:lnRef idx="2">
-            <a:schemeClr val="accent1">
-              <a:shade val="50000"/>
-            </a:schemeClr>
-          </a:lnRef>
-          <a:fillRef idx="1">
-            <a:schemeClr val="accent1"/>
-          </a:fillRef>
-          <a:effectRef idx="0">
-            <a:schemeClr val="accent1"/>
-          </a:effectRef>
-          <a:fontRef idx="minor">
-            <a:schemeClr val="lt1"/>
-          </a:fontRef>
-        </p:style>
-        <p:txBody>
-          <a:bodyPr wrap="square" rtlCol="0" anchor="ctr">
-            <a:noAutofit/>
-          </a:bodyPr>
-          <a:lstStyle/>
-          <a:p>
-            <a:pPr algn="ctr"/>
-            <a:endParaRPr lang="en-US"/>
-          </a:p>
-        </p:txBody>
-      </p:sp>
-      <p:sp>
-        <p:nvSpPr>
-          <p:cNvPr id="2" name="Titre 1">
-            <a:extLst>
-              <a:ext uri="{FF2B5EF4-FFF2-40B4-BE49-F238E27FC236}">
-                <a16:creationId xmlns:a16="http://schemas.microsoft.com/office/drawing/2014/main" id="{F47E6C6B-A08F-B14A-BB30-F5B29597D774}"/>
-              </a:ext>
-            </a:extLst>
-          </p:cNvPr>
-          <p:cNvSpPr>
-            <a:spLocks noGrp="1"/>
-          </p:cNvSpPr>
-          <p:nvPr>
-            <p:ph type="title"/>
-          </p:nvPr>
-        </p:nvSpPr>
-        <p:spPr>
-          <a:xfrm>
-            <a:off x="762000" y="758953"/>
-            <a:ext cx="4089779" cy="2028388"/>
-          </a:xfrm>
-        </p:spPr>
-        <p:txBody>
-          <a:bodyPr anchor="ctr">
-            <a:normAutofit/>
-          </a:bodyPr>
-          <a:lstStyle/>
-          <a:p>
-            <a:r>
-              <a:rPr lang="fr-FR" dirty="0"/>
-              <a:t>Fonctionnement du jeu</a:t>
-            </a:r>
-          </a:p>
-        </p:txBody>
-      </p:sp>
-      <p:sp>
-        <p:nvSpPr>
-          <p:cNvPr id="3" name="Espace réservé du contenu 2">
-            <a:extLst>
-              <a:ext uri="{FF2B5EF4-FFF2-40B4-BE49-F238E27FC236}">
-                <a16:creationId xmlns:a16="http://schemas.microsoft.com/office/drawing/2014/main" id="{E69F6372-8656-4D41-88F4-58B95429311C}"/>
-              </a:ext>
-            </a:extLst>
-          </p:cNvPr>
-          <p:cNvSpPr>
-            <a:spLocks noGrp="1"/>
-          </p:cNvSpPr>
-          <p:nvPr>
-            <p:ph idx="1"/>
-          </p:nvPr>
-        </p:nvSpPr>
-        <p:spPr>
-          <a:xfrm>
-            <a:off x="762000" y="2893326"/>
-            <a:ext cx="4089779" cy="3202674"/>
-          </a:xfrm>
-        </p:spPr>
-        <p:txBody>
-          <a:bodyPr anchor="t">
-            <a:normAutofit/>
-          </a:bodyPr>
-          <a:lstStyle/>
-          <a:p>
-            <a:r>
-              <a:rPr lang="fr-FR" dirty="0"/>
-              <a:t>Choix des personnages</a:t>
-            </a:r>
-          </a:p>
-          <a:p>
-            <a:endParaRPr lang="fr-FR" dirty="0"/>
-          </a:p>
-        </p:txBody>
-      </p:sp>
-      <p:pic>
-        <p:nvPicPr>
-          <p:cNvPr id="8" name="Image 7">
-            <a:extLst>
-              <a:ext uri="{FF2B5EF4-FFF2-40B4-BE49-F238E27FC236}">
-                <a16:creationId xmlns:a16="http://schemas.microsoft.com/office/drawing/2014/main" id="{C97CDBCE-FC72-5D44-8E7F-8AEB6FF1A26B}"/>
-              </a:ext>
-            </a:extLst>
-          </p:cNvPr>
-          <p:cNvPicPr>
-            <a:picLocks noChangeAspect="1"/>
-          </p:cNvPicPr>
-          <p:nvPr/>
-        </p:nvPicPr>
-        <p:blipFill>
-          <a:blip r:embed="rId2">
-            <a:extLst>
-              <a:ext uri="{28A0092B-C50C-407E-A947-70E740481C1C}">
-                <a14:useLocalDpi xmlns:a14="http://schemas.microsoft.com/office/drawing/2010/main" val="0"/>
-              </a:ext>
-            </a:extLst>
-          </a:blip>
-          <a:stretch>
-            <a:fillRect/>
-          </a:stretch>
-        </p:blipFill>
-        <p:spPr>
-          <a:xfrm>
-            <a:off x="6381218" y="1456017"/>
-            <a:ext cx="3761105" cy="4837430"/>
-          </a:xfrm>
-          <a:prstGeom prst="roundRect">
-            <a:avLst>
-              <a:gd name="adj" fmla="val 16667"/>
-            </a:avLst>
-          </a:prstGeom>
-          <a:ln>
-            <a:noFill/>
-          </a:ln>
-          <a:effectLst>
-            <a:outerShdw blurRad="76200" dist="38100" dir="7800000" algn="tl" rotWithShape="0">
-              <a:srgbClr val="000000">
-                <a:alpha val="40000"/>
-              </a:srgbClr>
-            </a:outerShdw>
-          </a:effectLst>
-          <a:scene3d>
-            <a:camera prst="orthographicFront"/>
-            <a:lightRig rig="contrasting" dir="t">
-              <a:rot lat="0" lon="0" rev="4200000"/>
-            </a:lightRig>
-          </a:scene3d>
-          <a:sp3d prstMaterial="plastic">
-            <a:bevelT w="381000" h="114300" prst="relaxedInset"/>
-            <a:contourClr>
-              <a:srgbClr val="969696"/>
-            </a:contourClr>
-          </a:sp3d>
-        </p:spPr>
-      </p:pic>
-    </p:spTree>
-    <p:extLst>
-      <p:ext uri="{BB962C8B-B14F-4D97-AF65-F5344CB8AC3E}">
-        <p14:creationId xmlns:p14="http://schemas.microsoft.com/office/powerpoint/2010/main" val="3614801828"/>
-      </p:ext>
-    </p:extLst>
-  </p:cSld>
-  <p:clrMapOvr>
-    <a:masterClrMapping/>
-  </p:clrMapOvr>
-</p:sld>
-</file>
-
-<file path=ppt/slides/slide5.xml><?xml version="1.0" encoding="utf-8"?>
-<p:sld xmlns:a="http://schemas.openxmlformats.org/drawingml/2006/main" xmlns:r="http://schemas.openxmlformats.org/officeDocument/2006/relationships" xmlns:p="http://schemas.openxmlformats.org/presentationml/2006/main">
-  <p:cSld>
-    <p:bg>
-      <p:bgPr>
-        <a:solidFill>
-          <a:schemeClr val="bg1"/>
-        </a:solidFill>
-        <a:effectLst/>
-      </p:bgPr>
-    </p:bg>
-    <p:spTree>
-      <p:nvGrpSpPr>
-        <p:cNvPr id="1" name=""/>
-        <p:cNvGrpSpPr/>
-        <p:nvPr/>
-      </p:nvGrpSpPr>
-      <p:grpSpPr>
-        <a:xfrm>
-          <a:off x="0" y="0"/>
-          <a:ext cx="0" cy="0"/>
-          <a:chOff x="0" y="0"/>
-          <a:chExt cx="0" cy="0"/>
-        </a:xfrm>
-      </p:grpSpPr>
-      <p:sp useBgFill="1">
-        <p:nvSpPr>
-          <p:cNvPr id="10" name="Rectangle 9">
-            <a:extLst>
-              <a:ext uri="{FF2B5EF4-FFF2-40B4-BE49-F238E27FC236}">
-                <a16:creationId xmlns:a16="http://schemas.microsoft.com/office/drawing/2014/main" id="{84136905-015B-4510-B514-027CBA846BD6}"/>
-              </a:ext>
-              <a:ext uri="{C183D7F6-B498-43B3-948B-1728B52AA6E4}">
-                <adec:decorative xmlns:adec="http://schemas.microsoft.com/office/drawing/2017/decorative" val="1"/>
-              </a:ext>
-            </a:extLst>
-          </p:cNvPr>
-          <p:cNvSpPr>
-            <a:spLocks noGrp="1" noRot="1" noChangeAspect="1" noMove="1" noResize="1" noEditPoints="1" noAdjustHandles="1" noChangeArrowheads="1" noChangeShapeType="1" noTextEdit="1"/>
-          </p:cNvSpPr>
-          <p:nvPr>
-            <p:extLst>
-              <p:ext uri="{386F3935-93C4-4BCD-93E2-E3B085C9AB24}">
-                <p16:designElem xmlns:p16="http://schemas.microsoft.com/office/powerpoint/2015/main" val="1"/>
-              </p:ext>
-            </p:extLst>
-          </p:nvPr>
-        </p:nvSpPr>
-        <p:spPr>
-          <a:xfrm>
-            <a:off x="0" y="0"/>
-            <a:ext cx="12192000" cy="6858000"/>
-          </a:xfrm>
-          <a:prstGeom prst="rect">
-            <a:avLst/>
-          </a:prstGeom>
-          <a:ln>
-            <a:noFill/>
-          </a:ln>
-        </p:spPr>
-        <p:style>
-          <a:lnRef idx="2">
-            <a:schemeClr val="accent1">
-              <a:shade val="50000"/>
-            </a:schemeClr>
-          </a:lnRef>
-          <a:fillRef idx="1">
-            <a:schemeClr val="accent1"/>
-          </a:fillRef>
-          <a:effectRef idx="0">
-            <a:schemeClr val="accent1"/>
-          </a:effectRef>
-          <a:fontRef idx="minor">
-            <a:schemeClr val="lt1"/>
-          </a:fontRef>
-        </p:style>
-        <p:txBody>
-          <a:bodyPr rtlCol="0" anchor="ctr"/>
-          <a:lstStyle/>
-          <a:p>
-            <a:pPr algn="ctr"/>
-            <a:endParaRPr lang="en-US"/>
-          </a:p>
-        </p:txBody>
-      </p:sp>
-      <p:sp>
-        <p:nvSpPr>
-          <p:cNvPr id="12" name="Rectangle 11">
-            <a:extLst>
-              <a:ext uri="{FF2B5EF4-FFF2-40B4-BE49-F238E27FC236}">
-                <a16:creationId xmlns:a16="http://schemas.microsoft.com/office/drawing/2014/main" id="{36CD0F97-2E5B-4E84-8544-EB24DED10446}"/>
-              </a:ext>
-              <a:ext uri="{C183D7F6-B498-43B3-948B-1728B52AA6E4}">
-                <adec:decorative xmlns:adec="http://schemas.microsoft.com/office/drawing/2017/decorative" val="1"/>
-              </a:ext>
-            </a:extLst>
-          </p:cNvPr>
-          <p:cNvSpPr>
-            <a:spLocks noGrp="1" noRot="1" noChangeAspect="1" noMove="1" noResize="1" noEditPoints="1" noAdjustHandles="1" noChangeArrowheads="1" noChangeShapeType="1" noTextEdit="1"/>
-          </p:cNvSpPr>
-          <p:nvPr>
-            <p:extLst>
-              <p:ext uri="{386F3935-93C4-4BCD-93E2-E3B085C9AB24}">
-                <p16:designElem xmlns:p16="http://schemas.microsoft.com/office/powerpoint/2015/main" val="1"/>
-              </p:ext>
-            </p:extLst>
-          </p:nvPr>
-        </p:nvSpPr>
-        <p:spPr>
-          <a:xfrm>
-            <a:off x="0" y="0"/>
-            <a:ext cx="12192000" cy="6099048"/>
-          </a:xfrm>
-          <a:prstGeom prst="rect">
-            <a:avLst/>
-          </a:prstGeom>
-          <a:gradFill flip="none" rotWithShape="1">
-            <a:gsLst>
-              <a:gs pos="10000">
-                <a:schemeClr val="accent5"/>
-              </a:gs>
-              <a:gs pos="90000">
-                <a:schemeClr val="accent1"/>
-              </a:gs>
-              <a:gs pos="70000">
-                <a:schemeClr val="accent2"/>
-              </a:gs>
-              <a:gs pos="30000">
-                <a:schemeClr val="accent4"/>
-              </a:gs>
-              <a:gs pos="50000">
-                <a:schemeClr val="accent3">
-                  <a:lumMod val="60000"/>
-                  <a:lumOff val="40000"/>
-                </a:schemeClr>
-              </a:gs>
-            </a:gsLst>
-            <a:lin ang="7200000" scaled="0"/>
-            <a:tileRect/>
-          </a:gradFill>
-          <a:ln>
-            <a:noFill/>
-          </a:ln>
-        </p:spPr>
-        <p:style>
-          <a:lnRef idx="2">
-            <a:schemeClr val="accent1">
-              <a:shade val="50000"/>
-            </a:schemeClr>
-          </a:lnRef>
-          <a:fillRef idx="1">
-            <a:schemeClr val="accent1"/>
-          </a:fillRef>
-          <a:effectRef idx="0">
-            <a:schemeClr val="accent1"/>
-          </a:effectRef>
-          <a:fontRef idx="minor">
-            <a:schemeClr val="lt1"/>
-          </a:fontRef>
-        </p:style>
-        <p:txBody>
-          <a:bodyPr rtlCol="0" anchor="ctr"/>
-          <a:lstStyle/>
-          <a:p>
-            <a:pPr algn="ctr"/>
-            <a:endParaRPr lang="en-US"/>
-          </a:p>
-        </p:txBody>
-      </p:sp>
-      <p:sp useBgFill="1">
-        <p:nvSpPr>
-          <p:cNvPr id="14" name="Freeform: Shape 13">
-            <a:extLst>
-              <a:ext uri="{FF2B5EF4-FFF2-40B4-BE49-F238E27FC236}">
-                <a16:creationId xmlns:a16="http://schemas.microsoft.com/office/drawing/2014/main" id="{A67FFD73-5996-479A-B8EB-EBA3DECC089A}"/>
-              </a:ext>
-              <a:ext uri="{C183D7F6-B498-43B3-948B-1728B52AA6E4}">
-                <adec:decorative xmlns:adec="http://schemas.microsoft.com/office/drawing/2017/decorative" val="1"/>
-              </a:ext>
-            </a:extLst>
-          </p:cNvPr>
-          <p:cNvSpPr>
-            <a:spLocks noGrp="1" noRot="1" noChangeAspect="1" noMove="1" noResize="1" noEditPoints="1" noAdjustHandles="1" noChangeArrowheads="1" noChangeShapeType="1" noTextEdit="1"/>
-          </p:cNvSpPr>
-          <p:nvPr>
-            <p:extLst>
-              <p:ext uri="{386F3935-93C4-4BCD-93E2-E3B085C9AB24}">
-                <p16:designElem xmlns:p16="http://schemas.microsoft.com/office/powerpoint/2015/main" val="1"/>
-              </p:ext>
-            </p:extLst>
-          </p:nvPr>
-        </p:nvSpPr>
-        <p:spPr>
-          <a:xfrm>
-            <a:off x="0" y="-1"/>
-            <a:ext cx="11443386" cy="6210556"/>
-          </a:xfrm>
-          <a:custGeom>
-            <a:avLst/>
-            <a:gdLst>
-              <a:gd name="connsiteX0" fmla="*/ 0 w 11443386"/>
-              <a:gd name="connsiteY0" fmla="*/ 0 h 6210556"/>
-              <a:gd name="connsiteX1" fmla="*/ 7534652 w 11443386"/>
-              <a:gd name="connsiteY1" fmla="*/ 0 h 6210556"/>
-              <a:gd name="connsiteX2" fmla="*/ 7534652 w 11443386"/>
-              <a:gd name="connsiteY2" fmla="*/ 758953 h 6210556"/>
-              <a:gd name="connsiteX3" fmla="*/ 11443386 w 11443386"/>
-              <a:gd name="connsiteY3" fmla="*/ 758953 h 6210556"/>
-              <a:gd name="connsiteX4" fmla="*/ 11443386 w 11443386"/>
-              <a:gd name="connsiteY4" fmla="*/ 6210556 h 6210556"/>
-              <a:gd name="connsiteX5" fmla="*/ 840766 w 11443386"/>
-              <a:gd name="connsiteY5" fmla="*/ 6210556 h 6210556"/>
-              <a:gd name="connsiteX6" fmla="*/ 840766 w 11443386"/>
-              <a:gd name="connsiteY6" fmla="*/ 6143050 h 6210556"/>
-              <a:gd name="connsiteX7" fmla="*/ 0 w 11443386"/>
-              <a:gd name="connsiteY7" fmla="*/ 6143050 h 6210556"/>
-            </a:gdLst>
-            <a:ahLst/>
-            <a:cxnLst>
-              <a:cxn ang="0">
-                <a:pos x="connsiteX0" y="connsiteY0"/>
-              </a:cxn>
-              <a:cxn ang="0">
-                <a:pos x="connsiteX1" y="connsiteY1"/>
-              </a:cxn>
-              <a:cxn ang="0">
-                <a:pos x="connsiteX2" y="connsiteY2"/>
-              </a:cxn>
-              <a:cxn ang="0">
-                <a:pos x="connsiteX3" y="connsiteY3"/>
-              </a:cxn>
-              <a:cxn ang="0">
-                <a:pos x="connsiteX4" y="connsiteY4"/>
-              </a:cxn>
-              <a:cxn ang="0">
-                <a:pos x="connsiteX5" y="connsiteY5"/>
-              </a:cxn>
-              <a:cxn ang="0">
-                <a:pos x="connsiteX6" y="connsiteY6"/>
-              </a:cxn>
-              <a:cxn ang="0">
-                <a:pos x="connsiteX7" y="connsiteY7"/>
-              </a:cxn>
-            </a:cxnLst>
-            <a:rect l="l" t="t" r="r" b="b"/>
-            <a:pathLst>
-              <a:path w="11443386" h="6210556">
-                <a:moveTo>
-                  <a:pt x="0" y="0"/>
-                </a:moveTo>
-                <a:lnTo>
-                  <a:pt x="7534652" y="0"/>
-                </a:lnTo>
-                <a:lnTo>
-                  <a:pt x="7534652" y="758953"/>
-                </a:lnTo>
-                <a:lnTo>
-                  <a:pt x="11443386" y="758953"/>
-                </a:lnTo>
-                <a:lnTo>
-                  <a:pt x="11443386" y="6210556"/>
-                </a:lnTo>
-                <a:lnTo>
-                  <a:pt x="840766" y="6210556"/>
-                </a:lnTo>
-                <a:lnTo>
-                  <a:pt x="840766" y="6143050"/>
-                </a:lnTo>
-                <a:lnTo>
-                  <a:pt x="0" y="6143050"/>
-                </a:lnTo>
-                <a:close/>
-              </a:path>
-            </a:pathLst>
-          </a:custGeom>
-          <a:ln>
-            <a:noFill/>
-          </a:ln>
-        </p:spPr>
-        <p:style>
-          <a:lnRef idx="2">
-            <a:schemeClr val="accent1">
-              <a:shade val="50000"/>
-            </a:schemeClr>
-          </a:lnRef>
-          <a:fillRef idx="1">
-            <a:schemeClr val="accent1"/>
-          </a:fillRef>
-          <a:effectRef idx="0">
-            <a:schemeClr val="accent1"/>
-          </a:effectRef>
-          <a:fontRef idx="minor">
-            <a:schemeClr val="lt1"/>
-          </a:fontRef>
-        </p:style>
-        <p:txBody>
-          <a:bodyPr wrap="square" rtlCol="0" anchor="ctr">
-            <a:noAutofit/>
-          </a:bodyPr>
-          <a:lstStyle/>
-          <a:p>
-            <a:pPr algn="ctr"/>
-            <a:endParaRPr lang="en-US"/>
-          </a:p>
-        </p:txBody>
-      </p:sp>
-      <p:sp>
-        <p:nvSpPr>
-          <p:cNvPr id="2" name="Titre 1">
-            <a:extLst>
-              <a:ext uri="{FF2B5EF4-FFF2-40B4-BE49-F238E27FC236}">
-                <a16:creationId xmlns:a16="http://schemas.microsoft.com/office/drawing/2014/main" id="{8DC0645E-F514-2F47-B311-357914DED282}"/>
-              </a:ext>
-            </a:extLst>
-          </p:cNvPr>
-          <p:cNvSpPr>
-            <a:spLocks noGrp="1"/>
-          </p:cNvSpPr>
-          <p:nvPr>
-            <p:ph type="title"/>
-          </p:nvPr>
-        </p:nvSpPr>
-        <p:spPr>
-          <a:xfrm>
-            <a:off x="762000" y="758953"/>
-            <a:ext cx="5997270" cy="2028388"/>
-          </a:xfrm>
-        </p:spPr>
-        <p:txBody>
-          <a:bodyPr anchor="ctr">
-            <a:normAutofit/>
-          </a:bodyPr>
-          <a:lstStyle/>
-          <a:p>
-            <a:r>
-              <a:rPr lang="fr-FR" dirty="0"/>
-              <a:t>Fonctionnement du jeu</a:t>
-            </a:r>
-          </a:p>
-        </p:txBody>
-      </p:sp>
-      <p:sp>
-        <p:nvSpPr>
-          <p:cNvPr id="3" name="Espace réservé du contenu 2">
-            <a:extLst>
-              <a:ext uri="{FF2B5EF4-FFF2-40B4-BE49-F238E27FC236}">
-                <a16:creationId xmlns:a16="http://schemas.microsoft.com/office/drawing/2014/main" id="{95AC64E6-246D-1542-A04D-CC68548052E4}"/>
-              </a:ext>
-            </a:extLst>
-          </p:cNvPr>
-          <p:cNvSpPr>
-            <a:spLocks noGrp="1"/>
-          </p:cNvSpPr>
-          <p:nvPr>
-            <p:ph idx="1"/>
-          </p:nvPr>
-        </p:nvSpPr>
-        <p:spPr>
-          <a:xfrm>
-            <a:off x="762000" y="2893326"/>
-            <a:ext cx="5997270" cy="3202674"/>
-          </a:xfrm>
-        </p:spPr>
-        <p:txBody>
-          <a:bodyPr anchor="t">
-            <a:normAutofit/>
-          </a:bodyPr>
-          <a:lstStyle/>
-          <a:p>
-            <a:r>
-              <a:rPr lang="fr-FR" dirty="0"/>
-              <a:t>Renommer son personnage</a:t>
-            </a:r>
-          </a:p>
-          <a:p>
-            <a:endParaRPr lang="fr-FR" dirty="0"/>
-          </a:p>
-          <a:p>
-            <a:endParaRPr lang="fr-FR" dirty="0"/>
-          </a:p>
-        </p:txBody>
-      </p:sp>
-      <p:pic>
-        <p:nvPicPr>
-          <p:cNvPr id="8" name="Image 7" descr="Une image contenant texte&#10;&#10;Description générée automatiquement">
-            <a:extLst>
-              <a:ext uri="{FF2B5EF4-FFF2-40B4-BE49-F238E27FC236}">
-                <a16:creationId xmlns:a16="http://schemas.microsoft.com/office/drawing/2014/main" id="{A7D4D2D3-D035-CC44-87DC-3FD446C59780}"/>
-              </a:ext>
-            </a:extLst>
-          </p:cNvPr>
-          <p:cNvPicPr>
-            <a:picLocks noChangeAspect="1"/>
-          </p:cNvPicPr>
-          <p:nvPr/>
-        </p:nvPicPr>
-        <p:blipFill>
-          <a:blip r:embed="rId2">
-            <a:extLst>
-              <a:ext uri="{28A0092B-C50C-407E-A947-70E740481C1C}">
-                <a14:useLocalDpi xmlns:a14="http://schemas.microsoft.com/office/drawing/2010/main" val="0"/>
-              </a:ext>
-            </a:extLst>
-          </a:blip>
-          <a:stretch>
-            <a:fillRect/>
-          </a:stretch>
-        </p:blipFill>
-        <p:spPr>
-          <a:xfrm>
-            <a:off x="4016404" y="4218298"/>
-            <a:ext cx="6846568" cy="1144028"/>
-          </a:xfrm>
-          <a:prstGeom prst="roundRect">
-            <a:avLst>
-              <a:gd name="adj" fmla="val 16667"/>
-            </a:avLst>
-          </a:prstGeom>
-          <a:ln>
-            <a:noFill/>
-          </a:ln>
-          <a:effectLst>
-            <a:outerShdw blurRad="76200" dist="38100" dir="7800000" algn="tl" rotWithShape="0">
-              <a:srgbClr val="000000">
-                <a:alpha val="40000"/>
-              </a:srgbClr>
-            </a:outerShdw>
-          </a:effectLst>
-          <a:scene3d>
-            <a:camera prst="orthographicFront"/>
-            <a:lightRig rig="contrasting" dir="t">
-              <a:rot lat="0" lon="0" rev="4200000"/>
-            </a:lightRig>
-          </a:scene3d>
-          <a:sp3d prstMaterial="plastic">
-            <a:bevelT w="381000" h="114300" prst="relaxedInset"/>
-            <a:contourClr>
-              <a:srgbClr val="969696"/>
-            </a:contourClr>
-          </a:sp3d>
-        </p:spPr>
-      </p:pic>
-    </p:spTree>
-    <p:extLst>
-      <p:ext uri="{BB962C8B-B14F-4D97-AF65-F5344CB8AC3E}">
-        <p14:creationId xmlns:p14="http://schemas.microsoft.com/office/powerpoint/2010/main" val="741793341"/>
-      </p:ext>
-    </p:extLst>
-  </p:cSld>
-  <p:clrMapOvr>
-    <a:masterClrMapping/>
-  </p:clrMapOvr>
-</p:sld>
-</file>
-
-<file path=ppt/slides/slide6.xml><?xml version="1.0" encoding="utf-8"?>
-<p:sld xmlns:a="http://schemas.openxmlformats.org/drawingml/2006/main" xmlns:r="http://schemas.openxmlformats.org/officeDocument/2006/relationships" xmlns:p="http://schemas.openxmlformats.org/presentationml/2006/main">
-  <p:cSld>
-    <p:bg>
-      <p:bgPr>
-        <a:solidFill>
-          <a:schemeClr val="bg1"/>
-        </a:solidFill>
-        <a:effectLst/>
-      </p:bgPr>
-    </p:bg>
-    <p:spTree>
-      <p:nvGrpSpPr>
-        <p:cNvPr id="1" name=""/>
-        <p:cNvGrpSpPr/>
-        <p:nvPr/>
-      </p:nvGrpSpPr>
-      <p:grpSpPr>
-        <a:xfrm>
-          <a:off x="0" y="0"/>
-          <a:ext cx="0" cy="0"/>
-          <a:chOff x="0" y="0"/>
-          <a:chExt cx="0" cy="0"/>
-        </a:xfrm>
-      </p:grpSpPr>
-      <p:sp useBgFill="1">
-        <p:nvSpPr>
-          <p:cNvPr id="9" name="Rectangle 8">
-            <a:extLst>
-              <a:ext uri="{FF2B5EF4-FFF2-40B4-BE49-F238E27FC236}">
-                <a16:creationId xmlns:a16="http://schemas.microsoft.com/office/drawing/2014/main" id="{84136905-015B-4510-B514-027CBA846BD6}"/>
-              </a:ext>
-              <a:ext uri="{C183D7F6-B498-43B3-948B-1728B52AA6E4}">
-                <adec:decorative xmlns:adec="http://schemas.microsoft.com/office/drawing/2017/decorative" val="1"/>
-              </a:ext>
-            </a:extLst>
-          </p:cNvPr>
-          <p:cNvSpPr>
-            <a:spLocks noGrp="1" noRot="1" noChangeAspect="1" noMove="1" noResize="1" noEditPoints="1" noAdjustHandles="1" noChangeArrowheads="1" noChangeShapeType="1" noTextEdit="1"/>
-          </p:cNvSpPr>
-          <p:nvPr>
-            <p:extLst>
-              <p:ext uri="{386F3935-93C4-4BCD-93E2-E3B085C9AB24}">
-                <p16:designElem xmlns:p16="http://schemas.microsoft.com/office/powerpoint/2015/main" val="1"/>
-              </p:ext>
-            </p:extLst>
-          </p:nvPr>
-        </p:nvSpPr>
-        <p:spPr>
-          <a:xfrm>
-            <a:off x="0" y="0"/>
-            <a:ext cx="12192000" cy="6858000"/>
-          </a:xfrm>
-          <a:prstGeom prst="rect">
-            <a:avLst/>
-          </a:prstGeom>
-          <a:ln>
-            <a:noFill/>
-          </a:ln>
-        </p:spPr>
-        <p:style>
-          <a:lnRef idx="2">
-            <a:schemeClr val="accent1">
-              <a:shade val="50000"/>
-            </a:schemeClr>
-          </a:lnRef>
-          <a:fillRef idx="1">
-            <a:schemeClr val="accent1"/>
-          </a:fillRef>
-          <a:effectRef idx="0">
-            <a:schemeClr val="accent1"/>
-          </a:effectRef>
-          <a:fontRef idx="minor">
-            <a:schemeClr val="lt1"/>
-          </a:fontRef>
-        </p:style>
-        <p:txBody>
-          <a:bodyPr rtlCol="0" anchor="ctr"/>
-          <a:lstStyle/>
-          <a:p>
-            <a:pPr algn="ctr"/>
-            <a:endParaRPr lang="en-US"/>
-          </a:p>
-        </p:txBody>
-      </p:sp>
-      <p:sp>
-        <p:nvSpPr>
-          <p:cNvPr id="11" name="Rectangle 10">
-            <a:extLst>
-              <a:ext uri="{FF2B5EF4-FFF2-40B4-BE49-F238E27FC236}">
-                <a16:creationId xmlns:a16="http://schemas.microsoft.com/office/drawing/2014/main" id="{36CD0F97-2E5B-4E84-8544-EB24DED10446}"/>
-              </a:ext>
-              <a:ext uri="{C183D7F6-B498-43B3-948B-1728B52AA6E4}">
-                <adec:decorative xmlns:adec="http://schemas.microsoft.com/office/drawing/2017/decorative" val="1"/>
-              </a:ext>
-            </a:extLst>
-          </p:cNvPr>
-          <p:cNvSpPr>
-            <a:spLocks noGrp="1" noRot="1" noChangeAspect="1" noMove="1" noResize="1" noEditPoints="1" noAdjustHandles="1" noChangeArrowheads="1" noChangeShapeType="1" noTextEdit="1"/>
-          </p:cNvSpPr>
-          <p:nvPr>
-            <p:extLst>
-              <p:ext uri="{386F3935-93C4-4BCD-93E2-E3B085C9AB24}">
-                <p16:designElem xmlns:p16="http://schemas.microsoft.com/office/powerpoint/2015/main" val="1"/>
-              </p:ext>
-            </p:extLst>
-          </p:nvPr>
-        </p:nvSpPr>
-        <p:spPr>
-          <a:xfrm>
-            <a:off x="0" y="0"/>
-            <a:ext cx="12192000" cy="6099048"/>
-          </a:xfrm>
-          <a:prstGeom prst="rect">
-            <a:avLst/>
-          </a:prstGeom>
-          <a:gradFill flip="none" rotWithShape="1">
-            <a:gsLst>
-              <a:gs pos="10000">
-                <a:schemeClr val="accent5"/>
-              </a:gs>
-              <a:gs pos="90000">
-                <a:schemeClr val="accent1"/>
-              </a:gs>
-              <a:gs pos="70000">
-                <a:schemeClr val="accent2"/>
-              </a:gs>
-              <a:gs pos="30000">
-                <a:schemeClr val="accent4"/>
-              </a:gs>
-              <a:gs pos="50000">
-                <a:schemeClr val="accent3">
-                  <a:lumMod val="60000"/>
-                  <a:lumOff val="40000"/>
-                </a:schemeClr>
-              </a:gs>
-            </a:gsLst>
-            <a:lin ang="7200000" scaled="0"/>
-            <a:tileRect/>
-          </a:gradFill>
-          <a:ln>
-            <a:noFill/>
-          </a:ln>
-        </p:spPr>
-        <p:style>
-          <a:lnRef idx="2">
-            <a:schemeClr val="accent1">
-              <a:shade val="50000"/>
-            </a:schemeClr>
-          </a:lnRef>
-          <a:fillRef idx="1">
-            <a:schemeClr val="accent1"/>
-          </a:fillRef>
-          <a:effectRef idx="0">
-            <a:schemeClr val="accent1"/>
-          </a:effectRef>
-          <a:fontRef idx="minor">
-            <a:schemeClr val="lt1"/>
-          </a:fontRef>
-        </p:style>
-        <p:txBody>
-          <a:bodyPr rtlCol="0" anchor="ctr"/>
-          <a:lstStyle/>
-          <a:p>
-            <a:pPr algn="ctr"/>
-            <a:endParaRPr lang="en-US"/>
-          </a:p>
-        </p:txBody>
-      </p:sp>
-      <p:sp useBgFill="1">
-        <p:nvSpPr>
-          <p:cNvPr id="13" name="Freeform: Shape 12">
-            <a:extLst>
-              <a:ext uri="{FF2B5EF4-FFF2-40B4-BE49-F238E27FC236}">
-                <a16:creationId xmlns:a16="http://schemas.microsoft.com/office/drawing/2014/main" id="{18E670AF-873F-44DB-9862-796E652EECDB}"/>
-              </a:ext>
-              <a:ext uri="{C183D7F6-B498-43B3-948B-1728B52AA6E4}">
-                <adec:decorative xmlns:adec="http://schemas.microsoft.com/office/drawing/2017/decorative" val="1"/>
-              </a:ext>
-            </a:extLst>
-          </p:cNvPr>
-          <p:cNvSpPr>
-            <a:spLocks noGrp="1" noRot="1" noChangeAspect="1" noMove="1" noResize="1" noEditPoints="1" noAdjustHandles="1" noChangeArrowheads="1" noChangeShapeType="1" noTextEdit="1"/>
-          </p:cNvSpPr>
-          <p:nvPr>
-            <p:extLst>
-              <p:ext uri="{386F3935-93C4-4BCD-93E2-E3B085C9AB24}">
-                <p16:designElem xmlns:p16="http://schemas.microsoft.com/office/powerpoint/2015/main" val="1"/>
-              </p:ext>
-            </p:extLst>
-          </p:nvPr>
-        </p:nvSpPr>
-        <p:spPr>
-          <a:xfrm>
-            <a:off x="0" y="-1"/>
-            <a:ext cx="11430001" cy="6175613"/>
-          </a:xfrm>
-          <a:custGeom>
-            <a:avLst/>
-            <a:gdLst>
-              <a:gd name="connsiteX0" fmla="*/ 0 w 11430001"/>
-              <a:gd name="connsiteY0" fmla="*/ 0 h 6175613"/>
-              <a:gd name="connsiteX1" fmla="*/ 5638031 w 11430001"/>
-              <a:gd name="connsiteY1" fmla="*/ 0 h 6175613"/>
-              <a:gd name="connsiteX2" fmla="*/ 5638031 w 11430001"/>
-              <a:gd name="connsiteY2" fmla="*/ 758954 h 6175613"/>
-              <a:gd name="connsiteX3" fmla="*/ 11430001 w 11430001"/>
-              <a:gd name="connsiteY3" fmla="*/ 758954 h 6175613"/>
-              <a:gd name="connsiteX4" fmla="*/ 11430001 w 11430001"/>
-              <a:gd name="connsiteY4" fmla="*/ 6175613 h 6175613"/>
-              <a:gd name="connsiteX5" fmla="*/ 5638031 w 11430001"/>
-              <a:gd name="connsiteY5" fmla="*/ 6175613 h 6175613"/>
-              <a:gd name="connsiteX6" fmla="*/ 5240741 w 11430001"/>
-              <a:gd name="connsiteY6" fmla="*/ 6175613 h 6175613"/>
-              <a:gd name="connsiteX7" fmla="*/ 0 w 11430001"/>
-              <a:gd name="connsiteY7" fmla="*/ 6175613 h 6175613"/>
-            </a:gdLst>
-            <a:ahLst/>
-            <a:cxnLst>
-              <a:cxn ang="0">
-                <a:pos x="connsiteX0" y="connsiteY0"/>
-              </a:cxn>
-              <a:cxn ang="0">
-                <a:pos x="connsiteX1" y="connsiteY1"/>
-              </a:cxn>
-              <a:cxn ang="0">
-                <a:pos x="connsiteX2" y="connsiteY2"/>
-              </a:cxn>
-              <a:cxn ang="0">
-                <a:pos x="connsiteX3" y="connsiteY3"/>
-              </a:cxn>
-              <a:cxn ang="0">
-                <a:pos x="connsiteX4" y="connsiteY4"/>
-              </a:cxn>
-              <a:cxn ang="0">
-                <a:pos x="connsiteX5" y="connsiteY5"/>
-              </a:cxn>
-              <a:cxn ang="0">
-                <a:pos x="connsiteX6" y="connsiteY6"/>
-              </a:cxn>
-              <a:cxn ang="0">
-                <a:pos x="connsiteX7" y="connsiteY7"/>
-              </a:cxn>
-            </a:cxnLst>
-            <a:rect l="l" t="t" r="r" b="b"/>
-            <a:pathLst>
-              <a:path w="11430001" h="6175613">
-                <a:moveTo>
-                  <a:pt x="0" y="0"/>
-                </a:moveTo>
-                <a:lnTo>
-                  <a:pt x="5638031" y="0"/>
-                </a:lnTo>
-                <a:lnTo>
-                  <a:pt x="5638031" y="758954"/>
-                </a:lnTo>
-                <a:lnTo>
-                  <a:pt x="11430001" y="758954"/>
-                </a:lnTo>
-                <a:lnTo>
-                  <a:pt x="11430001" y="6175613"/>
-                </a:lnTo>
-                <a:lnTo>
-                  <a:pt x="5638031" y="6175613"/>
-                </a:lnTo>
-                <a:lnTo>
-                  <a:pt x="5240741" y="6175613"/>
-                </a:lnTo>
-                <a:lnTo>
-                  <a:pt x="0" y="6175613"/>
-                </a:lnTo>
-                <a:close/>
-              </a:path>
-            </a:pathLst>
-          </a:custGeom>
-          <a:ln>
-            <a:noFill/>
-          </a:ln>
-        </p:spPr>
-        <p:style>
-          <a:lnRef idx="2">
-            <a:schemeClr val="accent1">
-              <a:shade val="50000"/>
-            </a:schemeClr>
-          </a:lnRef>
-          <a:fillRef idx="1">
-            <a:schemeClr val="accent1"/>
-          </a:fillRef>
-          <a:effectRef idx="0">
-            <a:schemeClr val="accent1"/>
-          </a:effectRef>
-          <a:fontRef idx="minor">
-            <a:schemeClr val="lt1"/>
-          </a:fontRef>
-        </p:style>
-        <p:txBody>
-          <a:bodyPr wrap="square" rtlCol="0" anchor="ctr">
-            <a:noAutofit/>
-          </a:bodyPr>
-          <a:lstStyle/>
-          <a:p>
-            <a:pPr algn="ctr"/>
-            <a:endParaRPr lang="en-US"/>
-          </a:p>
-        </p:txBody>
-      </p:sp>
-      <p:sp>
-        <p:nvSpPr>
-          <p:cNvPr id="2" name="Titre 1">
-            <a:extLst>
-              <a:ext uri="{FF2B5EF4-FFF2-40B4-BE49-F238E27FC236}">
-                <a16:creationId xmlns:a16="http://schemas.microsoft.com/office/drawing/2014/main" id="{803DBD8D-19B9-184B-847E-2EB0F9034257}"/>
-              </a:ext>
-            </a:extLst>
-          </p:cNvPr>
-          <p:cNvSpPr>
-            <a:spLocks noGrp="1"/>
-          </p:cNvSpPr>
-          <p:nvPr>
-            <p:ph type="title"/>
-          </p:nvPr>
-        </p:nvSpPr>
-        <p:spPr>
-          <a:xfrm>
-            <a:off x="762000" y="758953"/>
-            <a:ext cx="4089779" cy="2028388"/>
-          </a:xfrm>
-        </p:spPr>
-        <p:txBody>
-          <a:bodyPr anchor="ctr">
-            <a:normAutofit/>
-          </a:bodyPr>
-          <a:lstStyle/>
-          <a:p>
-            <a:r>
-              <a:rPr lang="fr-FR" dirty="0"/>
-              <a:t>Fonctionnement du jeu</a:t>
-            </a:r>
-          </a:p>
-        </p:txBody>
-      </p:sp>
-      <p:sp>
-        <p:nvSpPr>
-          <p:cNvPr id="3" name="Espace réservé du contenu 2">
-            <a:extLst>
-              <a:ext uri="{FF2B5EF4-FFF2-40B4-BE49-F238E27FC236}">
-                <a16:creationId xmlns:a16="http://schemas.microsoft.com/office/drawing/2014/main" id="{F27E5861-C808-054A-9CA5-F531DC1AAD47}"/>
-              </a:ext>
-            </a:extLst>
-          </p:cNvPr>
-          <p:cNvSpPr>
-            <a:spLocks noGrp="1"/>
-          </p:cNvSpPr>
-          <p:nvPr>
-            <p:ph idx="1"/>
-          </p:nvPr>
-        </p:nvSpPr>
-        <p:spPr>
-          <a:xfrm>
-            <a:off x="762000" y="2893326"/>
-            <a:ext cx="4089779" cy="3202674"/>
-          </a:xfrm>
-        </p:spPr>
-        <p:txBody>
-          <a:bodyPr anchor="t">
-            <a:normAutofit/>
-          </a:bodyPr>
-          <a:lstStyle/>
-          <a:p>
-            <a:r>
-              <a:rPr lang="fr-FR" dirty="0"/>
-              <a:t>La partie commence !</a:t>
-            </a:r>
-          </a:p>
-          <a:p>
-            <a:endParaRPr lang="fr-FR" dirty="0"/>
-          </a:p>
-          <a:p>
-            <a:endParaRPr lang="fr-FR" dirty="0"/>
-          </a:p>
-        </p:txBody>
-      </p:sp>
-      <p:pic>
-        <p:nvPicPr>
-          <p:cNvPr id="8" name="Image 7">
-            <a:extLst>
-              <a:ext uri="{FF2B5EF4-FFF2-40B4-BE49-F238E27FC236}">
-                <a16:creationId xmlns:a16="http://schemas.microsoft.com/office/drawing/2014/main" id="{5F70B375-23B9-AD4C-AEC2-4F80A65636EC}"/>
-              </a:ext>
-            </a:extLst>
-          </p:cNvPr>
-          <p:cNvPicPr>
-            <a:picLocks noChangeAspect="1"/>
-          </p:cNvPicPr>
-          <p:nvPr/>
-        </p:nvPicPr>
-        <p:blipFill>
-          <a:blip r:embed="rId2">
-            <a:extLst>
-              <a:ext uri="{28A0092B-C50C-407E-A947-70E740481C1C}">
-                <a14:useLocalDpi xmlns:a14="http://schemas.microsoft.com/office/drawing/2010/main" val="0"/>
-              </a:ext>
-            </a:extLst>
-          </a:blip>
-          <a:stretch>
-            <a:fillRect/>
-          </a:stretch>
-        </p:blipFill>
-        <p:spPr>
-          <a:xfrm>
-            <a:off x="5863907" y="1186004"/>
-            <a:ext cx="5231836" cy="3202674"/>
-          </a:xfrm>
-          <a:prstGeom prst="roundRect">
-            <a:avLst>
-              <a:gd name="adj" fmla="val 16667"/>
-            </a:avLst>
-          </a:prstGeom>
-          <a:ln>
-            <a:noFill/>
-          </a:ln>
-          <a:effectLst>
-            <a:outerShdw blurRad="76200" dist="38100" dir="7800000" algn="tl" rotWithShape="0">
-              <a:srgbClr val="000000">
-                <a:alpha val="40000"/>
-              </a:srgbClr>
-            </a:outerShdw>
-          </a:effectLst>
-          <a:scene3d>
-            <a:camera prst="orthographicFront"/>
-            <a:lightRig rig="contrasting" dir="t">
-              <a:rot lat="0" lon="0" rev="4200000"/>
-            </a:lightRig>
-          </a:scene3d>
-          <a:sp3d prstMaterial="plastic">
-            <a:bevelT w="381000" h="114300" prst="relaxedInset"/>
-            <a:contourClr>
-              <a:srgbClr val="969696"/>
-            </a:contourClr>
-          </a:sp3d>
-        </p:spPr>
-      </p:pic>
-    </p:spTree>
-    <p:extLst>
-      <p:ext uri="{BB962C8B-B14F-4D97-AF65-F5344CB8AC3E}">
-        <p14:creationId xmlns:p14="http://schemas.microsoft.com/office/powerpoint/2010/main" val="1740846946"/>
-      </p:ext>
-    </p:extLst>
-  </p:cSld>
-  <p:clrMapOvr>
-    <a:masterClrMapping/>
-  </p:clrMapOvr>
-</p:sld>
-</file>
-
-<file path=ppt/slides/slide7.xml><?xml version="1.0" encoding="utf-8"?>
-<p:sld xmlns:a="http://schemas.openxmlformats.org/drawingml/2006/main" xmlns:r="http://schemas.openxmlformats.org/officeDocument/2006/relationships" xmlns:p="http://schemas.openxmlformats.org/presentationml/2006/main">
-  <p:cSld>
-    <p:bg>
-      <p:bgPr>
-        <a:solidFill>
-          <a:schemeClr val="bg1"/>
-        </a:solidFill>
-        <a:effectLst/>
-      </p:bgPr>
-    </p:bg>
-    <p:spTree>
-      <p:nvGrpSpPr>
-        <p:cNvPr id="1" name=""/>
-        <p:cNvGrpSpPr/>
-        <p:nvPr/>
-      </p:nvGrpSpPr>
-      <p:grpSpPr>
-        <a:xfrm>
-          <a:off x="0" y="0"/>
-          <a:ext cx="0" cy="0"/>
-          <a:chOff x="0" y="0"/>
-          <a:chExt cx="0" cy="0"/>
-        </a:xfrm>
-      </p:grpSpPr>
-      <p:sp useBgFill="1">
-        <p:nvSpPr>
-          <p:cNvPr id="9" name="Rectangle 8">
-            <a:extLst>
-              <a:ext uri="{FF2B5EF4-FFF2-40B4-BE49-F238E27FC236}">
-                <a16:creationId xmlns:a16="http://schemas.microsoft.com/office/drawing/2014/main" id="{84136905-015B-4510-B514-027CBA846BD6}"/>
-              </a:ext>
-              <a:ext uri="{C183D7F6-B498-43B3-948B-1728B52AA6E4}">
-                <adec:decorative xmlns:adec="http://schemas.microsoft.com/office/drawing/2017/decorative" val="1"/>
-              </a:ext>
-            </a:extLst>
-          </p:cNvPr>
-          <p:cNvSpPr>
-            <a:spLocks noGrp="1" noRot="1" noChangeAspect="1" noMove="1" noResize="1" noEditPoints="1" noAdjustHandles="1" noChangeArrowheads="1" noChangeShapeType="1" noTextEdit="1"/>
-          </p:cNvSpPr>
-          <p:nvPr>
-            <p:extLst>
-              <p:ext uri="{386F3935-93C4-4BCD-93E2-E3B085C9AB24}">
-                <p16:designElem xmlns:p16="http://schemas.microsoft.com/office/powerpoint/2015/main" val="1"/>
-              </p:ext>
-            </p:extLst>
-          </p:nvPr>
-        </p:nvSpPr>
-        <p:spPr>
-          <a:xfrm>
-            <a:off x="0" y="0"/>
-            <a:ext cx="12192000" cy="6858000"/>
-          </a:xfrm>
-          <a:prstGeom prst="rect">
-            <a:avLst/>
-          </a:prstGeom>
-          <a:ln>
-            <a:noFill/>
-          </a:ln>
-        </p:spPr>
-        <p:style>
-          <a:lnRef idx="2">
-            <a:schemeClr val="accent1">
-              <a:shade val="50000"/>
-            </a:schemeClr>
-          </a:lnRef>
-          <a:fillRef idx="1">
-            <a:schemeClr val="accent1"/>
-          </a:fillRef>
-          <a:effectRef idx="0">
-            <a:schemeClr val="accent1"/>
-          </a:effectRef>
-          <a:fontRef idx="minor">
-            <a:schemeClr val="lt1"/>
-          </a:fontRef>
-        </p:style>
-        <p:txBody>
-          <a:bodyPr rtlCol="0" anchor="ctr"/>
-          <a:lstStyle/>
-          <a:p>
-            <a:pPr algn="ctr"/>
-            <a:endParaRPr lang="en-US"/>
-          </a:p>
-        </p:txBody>
-      </p:sp>
-      <p:sp>
-        <p:nvSpPr>
-          <p:cNvPr id="11" name="Rectangle 10">
-            <a:extLst>
-              <a:ext uri="{FF2B5EF4-FFF2-40B4-BE49-F238E27FC236}">
-                <a16:creationId xmlns:a16="http://schemas.microsoft.com/office/drawing/2014/main" id="{36CD0F97-2E5B-4E84-8544-EB24DED10446}"/>
-              </a:ext>
-              <a:ext uri="{C183D7F6-B498-43B3-948B-1728B52AA6E4}">
-                <adec:decorative xmlns:adec="http://schemas.microsoft.com/office/drawing/2017/decorative" val="1"/>
-              </a:ext>
-            </a:extLst>
-          </p:cNvPr>
-          <p:cNvSpPr>
-            <a:spLocks noGrp="1" noRot="1" noChangeAspect="1" noMove="1" noResize="1" noEditPoints="1" noAdjustHandles="1" noChangeArrowheads="1" noChangeShapeType="1" noTextEdit="1"/>
-          </p:cNvSpPr>
-          <p:nvPr>
-            <p:extLst>
-              <p:ext uri="{386F3935-93C4-4BCD-93E2-E3B085C9AB24}">
-                <p16:designElem xmlns:p16="http://schemas.microsoft.com/office/powerpoint/2015/main" val="1"/>
-              </p:ext>
-            </p:extLst>
-          </p:nvPr>
-        </p:nvSpPr>
-        <p:spPr>
-          <a:xfrm>
-            <a:off x="0" y="0"/>
-            <a:ext cx="12192000" cy="6099048"/>
-          </a:xfrm>
-          <a:prstGeom prst="rect">
-            <a:avLst/>
-          </a:prstGeom>
-          <a:gradFill flip="none" rotWithShape="1">
-            <a:gsLst>
-              <a:gs pos="10000">
-                <a:schemeClr val="accent5"/>
-              </a:gs>
-              <a:gs pos="90000">
-                <a:schemeClr val="accent1"/>
-              </a:gs>
-              <a:gs pos="70000">
-                <a:schemeClr val="accent2"/>
-              </a:gs>
-              <a:gs pos="30000">
-                <a:schemeClr val="accent4"/>
-              </a:gs>
-              <a:gs pos="50000">
-                <a:schemeClr val="accent3">
-                  <a:lumMod val="60000"/>
-                  <a:lumOff val="40000"/>
-                </a:schemeClr>
-              </a:gs>
-            </a:gsLst>
-            <a:lin ang="7200000" scaled="0"/>
-            <a:tileRect/>
-          </a:gradFill>
-          <a:ln>
-            <a:noFill/>
-          </a:ln>
-        </p:spPr>
-        <p:style>
-          <a:lnRef idx="2">
-            <a:schemeClr val="accent1">
-              <a:shade val="50000"/>
-            </a:schemeClr>
-          </a:lnRef>
-          <a:fillRef idx="1">
-            <a:schemeClr val="accent1"/>
-          </a:fillRef>
-          <a:effectRef idx="0">
-            <a:schemeClr val="accent1"/>
-          </a:effectRef>
-          <a:fontRef idx="minor">
-            <a:schemeClr val="lt1"/>
-          </a:fontRef>
-        </p:style>
-        <p:txBody>
-          <a:bodyPr rtlCol="0" anchor="ctr"/>
-          <a:lstStyle/>
-          <a:p>
-            <a:pPr algn="ctr"/>
-            <a:endParaRPr lang="en-US"/>
-          </a:p>
-        </p:txBody>
-      </p:sp>
-      <p:sp useBgFill="1">
-        <p:nvSpPr>
-          <p:cNvPr id="13" name="Freeform: Shape 12">
-            <a:extLst>
-              <a:ext uri="{FF2B5EF4-FFF2-40B4-BE49-F238E27FC236}">
-                <a16:creationId xmlns:a16="http://schemas.microsoft.com/office/drawing/2014/main" id="{18E670AF-873F-44DB-9862-796E652EECDB}"/>
-              </a:ext>
-              <a:ext uri="{C183D7F6-B498-43B3-948B-1728B52AA6E4}">
-                <adec:decorative xmlns:adec="http://schemas.microsoft.com/office/drawing/2017/decorative" val="1"/>
-              </a:ext>
-            </a:extLst>
-          </p:cNvPr>
-          <p:cNvSpPr>
-            <a:spLocks noGrp="1" noRot="1" noChangeAspect="1" noMove="1" noResize="1" noEditPoints="1" noAdjustHandles="1" noChangeArrowheads="1" noChangeShapeType="1" noTextEdit="1"/>
-          </p:cNvSpPr>
-          <p:nvPr>
-            <p:extLst>
-              <p:ext uri="{386F3935-93C4-4BCD-93E2-E3B085C9AB24}">
-                <p16:designElem xmlns:p16="http://schemas.microsoft.com/office/powerpoint/2015/main" val="1"/>
-              </p:ext>
-            </p:extLst>
-          </p:nvPr>
-        </p:nvSpPr>
-        <p:spPr>
-          <a:xfrm>
-            <a:off x="0" y="-1"/>
-            <a:ext cx="11430001" cy="6175613"/>
-          </a:xfrm>
-          <a:custGeom>
-            <a:avLst/>
-            <a:gdLst>
-              <a:gd name="connsiteX0" fmla="*/ 0 w 11430001"/>
-              <a:gd name="connsiteY0" fmla="*/ 0 h 6175613"/>
-              <a:gd name="connsiteX1" fmla="*/ 5638031 w 11430001"/>
-              <a:gd name="connsiteY1" fmla="*/ 0 h 6175613"/>
-              <a:gd name="connsiteX2" fmla="*/ 5638031 w 11430001"/>
-              <a:gd name="connsiteY2" fmla="*/ 758954 h 6175613"/>
-              <a:gd name="connsiteX3" fmla="*/ 11430001 w 11430001"/>
-              <a:gd name="connsiteY3" fmla="*/ 758954 h 6175613"/>
-              <a:gd name="connsiteX4" fmla="*/ 11430001 w 11430001"/>
-              <a:gd name="connsiteY4" fmla="*/ 6175613 h 6175613"/>
-              <a:gd name="connsiteX5" fmla="*/ 5638031 w 11430001"/>
-              <a:gd name="connsiteY5" fmla="*/ 6175613 h 6175613"/>
-              <a:gd name="connsiteX6" fmla="*/ 5240741 w 11430001"/>
-              <a:gd name="connsiteY6" fmla="*/ 6175613 h 6175613"/>
-              <a:gd name="connsiteX7" fmla="*/ 0 w 11430001"/>
-              <a:gd name="connsiteY7" fmla="*/ 6175613 h 6175613"/>
-            </a:gdLst>
-            <a:ahLst/>
-            <a:cxnLst>
-              <a:cxn ang="0">
-                <a:pos x="connsiteX0" y="connsiteY0"/>
-              </a:cxn>
-              <a:cxn ang="0">
-                <a:pos x="connsiteX1" y="connsiteY1"/>
-              </a:cxn>
-              <a:cxn ang="0">
-                <a:pos x="connsiteX2" y="connsiteY2"/>
-              </a:cxn>
-              <a:cxn ang="0">
-                <a:pos x="connsiteX3" y="connsiteY3"/>
-              </a:cxn>
-              <a:cxn ang="0">
-                <a:pos x="connsiteX4" y="connsiteY4"/>
-              </a:cxn>
-              <a:cxn ang="0">
-                <a:pos x="connsiteX5" y="connsiteY5"/>
-              </a:cxn>
-              <a:cxn ang="0">
-                <a:pos x="connsiteX6" y="connsiteY6"/>
-              </a:cxn>
-              <a:cxn ang="0">
-                <a:pos x="connsiteX7" y="connsiteY7"/>
-              </a:cxn>
-            </a:cxnLst>
-            <a:rect l="l" t="t" r="r" b="b"/>
-            <a:pathLst>
-              <a:path w="11430001" h="6175613">
-                <a:moveTo>
-                  <a:pt x="0" y="0"/>
-                </a:moveTo>
-                <a:lnTo>
-                  <a:pt x="5638031" y="0"/>
-                </a:lnTo>
-                <a:lnTo>
-                  <a:pt x="5638031" y="758954"/>
-                </a:lnTo>
-                <a:lnTo>
-                  <a:pt x="11430001" y="758954"/>
-                </a:lnTo>
-                <a:lnTo>
-                  <a:pt x="11430001" y="6175613"/>
-                </a:lnTo>
-                <a:lnTo>
-                  <a:pt x="5638031" y="6175613"/>
-                </a:lnTo>
-                <a:lnTo>
-                  <a:pt x="5240741" y="6175613"/>
-                </a:lnTo>
-                <a:lnTo>
-                  <a:pt x="0" y="6175613"/>
-                </a:lnTo>
-                <a:close/>
-              </a:path>
-            </a:pathLst>
-          </a:custGeom>
-          <a:ln>
-            <a:noFill/>
-          </a:ln>
-        </p:spPr>
-        <p:style>
-          <a:lnRef idx="2">
-            <a:schemeClr val="accent1">
-              <a:shade val="50000"/>
-            </a:schemeClr>
-          </a:lnRef>
-          <a:fillRef idx="1">
-            <a:schemeClr val="accent1"/>
-          </a:fillRef>
-          <a:effectRef idx="0">
-            <a:schemeClr val="accent1"/>
-          </a:effectRef>
-          <a:fontRef idx="minor">
-            <a:schemeClr val="lt1"/>
-          </a:fontRef>
-        </p:style>
-        <p:txBody>
-          <a:bodyPr wrap="square" rtlCol="0" anchor="ctr">
-            <a:noAutofit/>
-          </a:bodyPr>
-          <a:lstStyle/>
-          <a:p>
-            <a:pPr algn="ctr"/>
-            <a:endParaRPr lang="en-US"/>
-          </a:p>
-        </p:txBody>
-      </p:sp>
-      <p:sp>
-        <p:nvSpPr>
-          <p:cNvPr id="2" name="Titre 1">
-            <a:extLst>
-              <a:ext uri="{FF2B5EF4-FFF2-40B4-BE49-F238E27FC236}">
-                <a16:creationId xmlns:a16="http://schemas.microsoft.com/office/drawing/2014/main" id="{8246EB0F-CE81-B840-B01E-4814C3C9C2AB}"/>
-              </a:ext>
-            </a:extLst>
-          </p:cNvPr>
-          <p:cNvSpPr>
-            <a:spLocks noGrp="1"/>
-          </p:cNvSpPr>
-          <p:nvPr>
-            <p:ph type="title"/>
-          </p:nvPr>
-        </p:nvSpPr>
-        <p:spPr>
-          <a:xfrm>
-            <a:off x="762000" y="758953"/>
-            <a:ext cx="4089779" cy="2028388"/>
-          </a:xfrm>
-        </p:spPr>
-        <p:txBody>
-          <a:bodyPr anchor="ctr">
-            <a:normAutofit/>
-          </a:bodyPr>
-          <a:lstStyle/>
-          <a:p>
-            <a:r>
-              <a:rPr lang="fr-FR" dirty="0"/>
-              <a:t>Fonctionnement du jeu</a:t>
-            </a:r>
-          </a:p>
-        </p:txBody>
-      </p:sp>
-      <p:sp>
-        <p:nvSpPr>
-          <p:cNvPr id="3" name="Espace réservé du contenu 2">
-            <a:extLst>
-              <a:ext uri="{FF2B5EF4-FFF2-40B4-BE49-F238E27FC236}">
-                <a16:creationId xmlns:a16="http://schemas.microsoft.com/office/drawing/2014/main" id="{7C964133-8A35-E44F-A976-4183E5B4D5ED}"/>
-              </a:ext>
-            </a:extLst>
-          </p:cNvPr>
-          <p:cNvSpPr>
-            <a:spLocks noGrp="1"/>
-          </p:cNvSpPr>
-          <p:nvPr>
-            <p:ph idx="1"/>
-          </p:nvPr>
-        </p:nvSpPr>
-        <p:spPr>
-          <a:xfrm>
-            <a:off x="762000" y="2893326"/>
-            <a:ext cx="4089779" cy="3202674"/>
-          </a:xfrm>
-        </p:spPr>
-        <p:txBody>
-          <a:bodyPr anchor="t">
-            <a:normAutofit/>
-          </a:bodyPr>
-          <a:lstStyle/>
-          <a:p>
-            <a:r>
-              <a:rPr lang="fr-FR" dirty="0"/>
-              <a:t>Coffre aléatoire !</a:t>
-            </a:r>
-          </a:p>
-        </p:txBody>
-      </p:sp>
-      <p:pic>
-        <p:nvPicPr>
-          <p:cNvPr id="8" name="Image 7">
-            <a:extLst>
-              <a:ext uri="{FF2B5EF4-FFF2-40B4-BE49-F238E27FC236}">
-                <a16:creationId xmlns:a16="http://schemas.microsoft.com/office/drawing/2014/main" id="{CC97B994-E4F9-094F-81DE-49B6ED36735A}"/>
-              </a:ext>
-            </a:extLst>
-          </p:cNvPr>
-          <p:cNvPicPr>
-            <a:picLocks noChangeAspect="1"/>
-          </p:cNvPicPr>
-          <p:nvPr/>
-        </p:nvPicPr>
-        <p:blipFill>
-          <a:blip r:embed="rId2">
-            <a:extLst>
-              <a:ext uri="{28A0092B-C50C-407E-A947-70E740481C1C}">
-                <a14:useLocalDpi xmlns:a14="http://schemas.microsoft.com/office/drawing/2010/main" val="0"/>
-              </a:ext>
-            </a:extLst>
-          </a:blip>
-          <a:stretch>
-            <a:fillRect/>
-          </a:stretch>
-        </p:blipFill>
-        <p:spPr>
-          <a:xfrm>
-            <a:off x="3780107" y="3827829"/>
-            <a:ext cx="7292670" cy="1600517"/>
-          </a:xfrm>
-          <a:prstGeom prst="roundRect">
-            <a:avLst>
-              <a:gd name="adj" fmla="val 16667"/>
-            </a:avLst>
-          </a:prstGeom>
-          <a:ln>
-            <a:noFill/>
-          </a:ln>
-          <a:effectLst>
-            <a:outerShdw blurRad="76200" dist="38100" dir="7800000" algn="tl" rotWithShape="0">
-              <a:srgbClr val="000000">
-                <a:alpha val="40000"/>
-              </a:srgbClr>
-            </a:outerShdw>
-          </a:effectLst>
-          <a:scene3d>
-            <a:camera prst="orthographicFront"/>
-            <a:lightRig rig="contrasting" dir="t">
-              <a:rot lat="0" lon="0" rev="4200000"/>
-            </a:lightRig>
-          </a:scene3d>
-          <a:sp3d prstMaterial="plastic">
-            <a:bevelT w="381000" h="114300" prst="relaxedInset"/>
-            <a:contourClr>
-              <a:srgbClr val="969696"/>
-            </a:contourClr>
-          </a:sp3d>
-        </p:spPr>
-      </p:pic>
-    </p:spTree>
-    <p:extLst>
-      <p:ext uri="{BB962C8B-B14F-4D97-AF65-F5344CB8AC3E}">
-        <p14:creationId xmlns:p14="http://schemas.microsoft.com/office/powerpoint/2010/main" val="2064712323"/>
-      </p:ext>
-    </p:extLst>
-  </p:cSld>
-  <p:clrMapOvr>
-    <a:masterClrMapping/>
-  </p:clrMapOvr>
-</p:sld>
-</file>
-
-<file path=ppt/slides/slide8.xml><?xml version="1.0" encoding="utf-8"?>
-<p:sld xmlns:a="http://schemas.openxmlformats.org/drawingml/2006/main" xmlns:r="http://schemas.openxmlformats.org/officeDocument/2006/relationships" xmlns:p="http://schemas.openxmlformats.org/presentationml/2006/main">
-  <p:cSld>
-    <p:bg>
-      <p:bgPr>
-        <a:solidFill>
-          <a:schemeClr val="bg1"/>
-        </a:solidFill>
-        <a:effectLst/>
-      </p:bgPr>
-    </p:bg>
-    <p:spTree>
-      <p:nvGrpSpPr>
-        <p:cNvPr id="1" name=""/>
-        <p:cNvGrpSpPr/>
-        <p:nvPr/>
-      </p:nvGrpSpPr>
-      <p:grpSpPr>
-        <a:xfrm>
-          <a:off x="0" y="0"/>
-          <a:ext cx="0" cy="0"/>
-          <a:chOff x="0" y="0"/>
-          <a:chExt cx="0" cy="0"/>
-        </a:xfrm>
-      </p:grpSpPr>
-      <p:sp useBgFill="1">
-        <p:nvSpPr>
-          <p:cNvPr id="9" name="Rectangle 8">
-            <a:extLst>
-              <a:ext uri="{FF2B5EF4-FFF2-40B4-BE49-F238E27FC236}">
-                <a16:creationId xmlns:a16="http://schemas.microsoft.com/office/drawing/2014/main" id="{84136905-015B-4510-B514-027CBA846BD6}"/>
-              </a:ext>
-              <a:ext uri="{C183D7F6-B498-43B3-948B-1728B52AA6E4}">
-                <adec:decorative xmlns:adec="http://schemas.microsoft.com/office/drawing/2017/decorative" val="1"/>
-              </a:ext>
-            </a:extLst>
-          </p:cNvPr>
-          <p:cNvSpPr>
-            <a:spLocks noGrp="1" noRot="1" noChangeAspect="1" noMove="1" noResize="1" noEditPoints="1" noAdjustHandles="1" noChangeArrowheads="1" noChangeShapeType="1" noTextEdit="1"/>
-          </p:cNvSpPr>
-          <p:nvPr>
-            <p:extLst>
-              <p:ext uri="{386F3935-93C4-4BCD-93E2-E3B085C9AB24}">
-                <p16:designElem xmlns:p16="http://schemas.microsoft.com/office/powerpoint/2015/main" val="1"/>
-              </p:ext>
-            </p:extLst>
-          </p:nvPr>
-        </p:nvSpPr>
-        <p:spPr>
-          <a:xfrm>
-            <a:off x="0" y="0"/>
-            <a:ext cx="12192000" cy="6858000"/>
-          </a:xfrm>
-          <a:prstGeom prst="rect">
-            <a:avLst/>
-          </a:prstGeom>
-          <a:ln>
-            <a:noFill/>
-          </a:ln>
-        </p:spPr>
-        <p:style>
-          <a:lnRef idx="2">
-            <a:schemeClr val="accent1">
-              <a:shade val="50000"/>
-            </a:schemeClr>
-          </a:lnRef>
-          <a:fillRef idx="1">
-            <a:schemeClr val="accent1"/>
-          </a:fillRef>
-          <a:effectRef idx="0">
-            <a:schemeClr val="accent1"/>
-          </a:effectRef>
-          <a:fontRef idx="minor">
-            <a:schemeClr val="lt1"/>
-          </a:fontRef>
-        </p:style>
-        <p:txBody>
-          <a:bodyPr rtlCol="0" anchor="ctr"/>
-          <a:lstStyle/>
-          <a:p>
-            <a:pPr algn="ctr"/>
-            <a:endParaRPr lang="en-US"/>
-          </a:p>
-        </p:txBody>
-      </p:sp>
-      <p:sp>
-        <p:nvSpPr>
-          <p:cNvPr id="11" name="Rectangle 10">
-            <a:extLst>
-              <a:ext uri="{FF2B5EF4-FFF2-40B4-BE49-F238E27FC236}">
-                <a16:creationId xmlns:a16="http://schemas.microsoft.com/office/drawing/2014/main" id="{36CD0F97-2E5B-4E84-8544-EB24DED10446}"/>
-              </a:ext>
-              <a:ext uri="{C183D7F6-B498-43B3-948B-1728B52AA6E4}">
-                <adec:decorative xmlns:adec="http://schemas.microsoft.com/office/drawing/2017/decorative" val="1"/>
-              </a:ext>
-            </a:extLst>
-          </p:cNvPr>
-          <p:cNvSpPr>
-            <a:spLocks noGrp="1" noRot="1" noChangeAspect="1" noMove="1" noResize="1" noEditPoints="1" noAdjustHandles="1" noChangeArrowheads="1" noChangeShapeType="1" noTextEdit="1"/>
-          </p:cNvSpPr>
-          <p:nvPr>
-            <p:extLst>
-              <p:ext uri="{386F3935-93C4-4BCD-93E2-E3B085C9AB24}">
-                <p16:designElem xmlns:p16="http://schemas.microsoft.com/office/powerpoint/2015/main" val="1"/>
-              </p:ext>
-            </p:extLst>
-          </p:nvPr>
-        </p:nvSpPr>
-        <p:spPr>
-          <a:xfrm>
-            <a:off x="0" y="0"/>
-            <a:ext cx="12192000" cy="6099048"/>
-          </a:xfrm>
-          <a:prstGeom prst="rect">
-            <a:avLst/>
-          </a:prstGeom>
-          <a:gradFill flip="none" rotWithShape="1">
-            <a:gsLst>
-              <a:gs pos="10000">
-                <a:schemeClr val="accent5"/>
-              </a:gs>
-              <a:gs pos="90000">
-                <a:schemeClr val="accent1"/>
-              </a:gs>
-              <a:gs pos="70000">
-                <a:schemeClr val="accent2"/>
-              </a:gs>
-              <a:gs pos="30000">
-                <a:schemeClr val="accent4"/>
-              </a:gs>
-              <a:gs pos="50000">
-                <a:schemeClr val="accent3">
-                  <a:lumMod val="60000"/>
-                  <a:lumOff val="40000"/>
-                </a:schemeClr>
-              </a:gs>
-            </a:gsLst>
-            <a:lin ang="7200000" scaled="0"/>
-            <a:tileRect/>
-          </a:gradFill>
-          <a:ln>
-            <a:noFill/>
-          </a:ln>
-        </p:spPr>
-        <p:style>
-          <a:lnRef idx="2">
-            <a:schemeClr val="accent1">
-              <a:shade val="50000"/>
-            </a:schemeClr>
-          </a:lnRef>
-          <a:fillRef idx="1">
-            <a:schemeClr val="accent1"/>
-          </a:fillRef>
-          <a:effectRef idx="0">
-            <a:schemeClr val="accent1"/>
-          </a:effectRef>
-          <a:fontRef idx="minor">
-            <a:schemeClr val="lt1"/>
-          </a:fontRef>
-        </p:style>
-        <p:txBody>
-          <a:bodyPr rtlCol="0" anchor="ctr"/>
-          <a:lstStyle/>
-          <a:p>
-            <a:pPr algn="ctr"/>
-            <a:endParaRPr lang="en-US"/>
-          </a:p>
-        </p:txBody>
-      </p:sp>
-      <p:sp useBgFill="1">
-        <p:nvSpPr>
-          <p:cNvPr id="13" name="Freeform: Shape 12">
-            <a:extLst>
-              <a:ext uri="{FF2B5EF4-FFF2-40B4-BE49-F238E27FC236}">
-                <a16:creationId xmlns:a16="http://schemas.microsoft.com/office/drawing/2014/main" id="{18E670AF-873F-44DB-9862-796E652EECDB}"/>
-              </a:ext>
-              <a:ext uri="{C183D7F6-B498-43B3-948B-1728B52AA6E4}">
-                <adec:decorative xmlns:adec="http://schemas.microsoft.com/office/drawing/2017/decorative" val="1"/>
-              </a:ext>
-            </a:extLst>
-          </p:cNvPr>
-          <p:cNvSpPr>
-            <a:spLocks noGrp="1" noRot="1" noChangeAspect="1" noMove="1" noResize="1" noEditPoints="1" noAdjustHandles="1" noChangeArrowheads="1" noChangeShapeType="1" noTextEdit="1"/>
-          </p:cNvSpPr>
-          <p:nvPr>
-            <p:extLst>
-              <p:ext uri="{386F3935-93C4-4BCD-93E2-E3B085C9AB24}">
-                <p16:designElem xmlns:p16="http://schemas.microsoft.com/office/powerpoint/2015/main" val="1"/>
-              </p:ext>
-            </p:extLst>
-          </p:nvPr>
-        </p:nvSpPr>
-        <p:spPr>
-          <a:xfrm>
-            <a:off x="0" y="-1"/>
-            <a:ext cx="11430001" cy="6175613"/>
-          </a:xfrm>
-          <a:custGeom>
-            <a:avLst/>
-            <a:gdLst>
-              <a:gd name="connsiteX0" fmla="*/ 0 w 11430001"/>
-              <a:gd name="connsiteY0" fmla="*/ 0 h 6175613"/>
-              <a:gd name="connsiteX1" fmla="*/ 5638031 w 11430001"/>
-              <a:gd name="connsiteY1" fmla="*/ 0 h 6175613"/>
-              <a:gd name="connsiteX2" fmla="*/ 5638031 w 11430001"/>
-              <a:gd name="connsiteY2" fmla="*/ 758954 h 6175613"/>
-              <a:gd name="connsiteX3" fmla="*/ 11430001 w 11430001"/>
-              <a:gd name="connsiteY3" fmla="*/ 758954 h 6175613"/>
-              <a:gd name="connsiteX4" fmla="*/ 11430001 w 11430001"/>
-              <a:gd name="connsiteY4" fmla="*/ 6175613 h 6175613"/>
-              <a:gd name="connsiteX5" fmla="*/ 5638031 w 11430001"/>
-              <a:gd name="connsiteY5" fmla="*/ 6175613 h 6175613"/>
-              <a:gd name="connsiteX6" fmla="*/ 5240741 w 11430001"/>
-              <a:gd name="connsiteY6" fmla="*/ 6175613 h 6175613"/>
-              <a:gd name="connsiteX7" fmla="*/ 0 w 11430001"/>
-              <a:gd name="connsiteY7" fmla="*/ 6175613 h 6175613"/>
-            </a:gdLst>
-            <a:ahLst/>
-            <a:cxnLst>
-              <a:cxn ang="0">
-                <a:pos x="connsiteX0" y="connsiteY0"/>
-              </a:cxn>
-              <a:cxn ang="0">
-                <a:pos x="connsiteX1" y="connsiteY1"/>
-              </a:cxn>
-              <a:cxn ang="0">
-                <a:pos x="connsiteX2" y="connsiteY2"/>
-              </a:cxn>
-              <a:cxn ang="0">
-                <a:pos x="connsiteX3" y="connsiteY3"/>
-              </a:cxn>
-              <a:cxn ang="0">
-                <a:pos x="connsiteX4" y="connsiteY4"/>
-              </a:cxn>
-              <a:cxn ang="0">
-                <a:pos x="connsiteX5" y="connsiteY5"/>
-              </a:cxn>
-              <a:cxn ang="0">
-                <a:pos x="connsiteX6" y="connsiteY6"/>
-              </a:cxn>
-              <a:cxn ang="0">
-                <a:pos x="connsiteX7" y="connsiteY7"/>
-              </a:cxn>
-            </a:cxnLst>
-            <a:rect l="l" t="t" r="r" b="b"/>
-            <a:pathLst>
-              <a:path w="11430001" h="6175613">
-                <a:moveTo>
-                  <a:pt x="0" y="0"/>
-                </a:moveTo>
-                <a:lnTo>
-                  <a:pt x="5638031" y="0"/>
-                </a:lnTo>
-                <a:lnTo>
-                  <a:pt x="5638031" y="758954"/>
-                </a:lnTo>
-                <a:lnTo>
-                  <a:pt x="11430001" y="758954"/>
-                </a:lnTo>
-                <a:lnTo>
-                  <a:pt x="11430001" y="6175613"/>
-                </a:lnTo>
-                <a:lnTo>
-                  <a:pt x="5638031" y="6175613"/>
-                </a:lnTo>
-                <a:lnTo>
-                  <a:pt x="5240741" y="6175613"/>
-                </a:lnTo>
-                <a:lnTo>
-                  <a:pt x="0" y="6175613"/>
-                </a:lnTo>
-                <a:close/>
-              </a:path>
-            </a:pathLst>
-          </a:custGeom>
-          <a:ln>
-            <a:noFill/>
-          </a:ln>
-        </p:spPr>
-        <p:style>
-          <a:lnRef idx="2">
-            <a:schemeClr val="accent1">
-              <a:shade val="50000"/>
-            </a:schemeClr>
-          </a:lnRef>
-          <a:fillRef idx="1">
-            <a:schemeClr val="accent1"/>
-          </a:fillRef>
-          <a:effectRef idx="0">
-            <a:schemeClr val="accent1"/>
-          </a:effectRef>
-          <a:fontRef idx="minor">
-            <a:schemeClr val="lt1"/>
-          </a:fontRef>
-        </p:style>
-        <p:txBody>
-          <a:bodyPr wrap="square" rtlCol="0" anchor="ctr">
-            <a:noAutofit/>
-          </a:bodyPr>
-          <a:lstStyle/>
-          <a:p>
-            <a:pPr algn="ctr"/>
-            <a:endParaRPr lang="en-US"/>
-          </a:p>
-        </p:txBody>
-      </p:sp>
-      <p:sp>
-        <p:nvSpPr>
-          <p:cNvPr id="2" name="Titre 1">
-            <a:extLst>
-              <a:ext uri="{FF2B5EF4-FFF2-40B4-BE49-F238E27FC236}">
-                <a16:creationId xmlns:a16="http://schemas.microsoft.com/office/drawing/2014/main" id="{16A8B32B-38F0-3241-9542-59DCC83F4CAE}"/>
-              </a:ext>
-            </a:extLst>
-          </p:cNvPr>
-          <p:cNvSpPr>
-            <a:spLocks noGrp="1"/>
-          </p:cNvSpPr>
-          <p:nvPr>
-            <p:ph type="title"/>
-          </p:nvPr>
-        </p:nvSpPr>
-        <p:spPr>
-          <a:xfrm>
-            <a:off x="762000" y="758953"/>
-            <a:ext cx="4089779" cy="2028388"/>
-          </a:xfrm>
-        </p:spPr>
-        <p:txBody>
-          <a:bodyPr anchor="ctr">
-            <a:normAutofit/>
-          </a:bodyPr>
-          <a:lstStyle/>
-          <a:p>
-            <a:r>
-              <a:rPr lang="fr-FR" dirty="0"/>
-              <a:t>Fonctionnement du jeu</a:t>
-            </a:r>
-            <a:br>
-              <a:rPr lang="fr-FR" dirty="0"/>
-            </a:br>
-            <a:endParaRPr lang="fr-FR" dirty="0"/>
-          </a:p>
-        </p:txBody>
-      </p:sp>
-      <p:sp>
-        <p:nvSpPr>
-          <p:cNvPr id="3" name="Espace réservé du contenu 2">
-            <a:extLst>
-              <a:ext uri="{FF2B5EF4-FFF2-40B4-BE49-F238E27FC236}">
-                <a16:creationId xmlns:a16="http://schemas.microsoft.com/office/drawing/2014/main" id="{1CDCFE70-F3DE-C443-A160-E46E65CF3B8D}"/>
-              </a:ext>
-            </a:extLst>
-          </p:cNvPr>
-          <p:cNvSpPr>
-            <a:spLocks noGrp="1"/>
-          </p:cNvSpPr>
-          <p:nvPr>
-            <p:ph idx="1"/>
-          </p:nvPr>
-        </p:nvSpPr>
-        <p:spPr>
-          <a:xfrm>
-            <a:off x="762000" y="2893326"/>
-            <a:ext cx="4089779" cy="3202674"/>
-          </a:xfrm>
-        </p:spPr>
-        <p:txBody>
-          <a:bodyPr anchor="t">
-            <a:normAutofit/>
-          </a:bodyPr>
-          <a:lstStyle/>
-          <a:p>
-            <a:r>
-              <a:rPr lang="fr-FR" dirty="0"/>
-              <a:t>Coup fatal</a:t>
-            </a:r>
-          </a:p>
-          <a:p>
-            <a:endParaRPr lang="fr-FR" dirty="0"/>
-          </a:p>
-          <a:p>
-            <a:endParaRPr lang="fr-FR" dirty="0"/>
-          </a:p>
-        </p:txBody>
-      </p:sp>
-      <p:pic>
-        <p:nvPicPr>
-          <p:cNvPr id="8" name="Image 7">
-            <a:extLst>
-              <a:ext uri="{FF2B5EF4-FFF2-40B4-BE49-F238E27FC236}">
-                <a16:creationId xmlns:a16="http://schemas.microsoft.com/office/drawing/2014/main" id="{322AA4E4-6DC5-D744-A0A7-447D8BD55A41}"/>
-              </a:ext>
-            </a:extLst>
-          </p:cNvPr>
-          <p:cNvPicPr>
-            <a:picLocks noChangeAspect="1"/>
-          </p:cNvPicPr>
-          <p:nvPr/>
-        </p:nvPicPr>
-        <p:blipFill>
-          <a:blip r:embed="rId2">
-            <a:extLst>
-              <a:ext uri="{28A0092B-C50C-407E-A947-70E740481C1C}">
-                <a14:useLocalDpi xmlns:a14="http://schemas.microsoft.com/office/drawing/2010/main" val="0"/>
-              </a:ext>
-            </a:extLst>
-          </a:blip>
-          <a:stretch>
-            <a:fillRect/>
-          </a:stretch>
-        </p:blipFill>
-        <p:spPr>
-          <a:xfrm>
-            <a:off x="5613779" y="2155663"/>
-            <a:ext cx="4918703" cy="2232342"/>
-          </a:xfrm>
-          <a:prstGeom prst="roundRect">
-            <a:avLst>
-              <a:gd name="adj" fmla="val 16667"/>
-            </a:avLst>
-          </a:prstGeom>
-          <a:ln>
-            <a:noFill/>
-          </a:ln>
-          <a:effectLst>
-            <a:outerShdw blurRad="76200" dist="38100" dir="7800000" algn="tl" rotWithShape="0">
-              <a:srgbClr val="000000">
-                <a:alpha val="40000"/>
-              </a:srgbClr>
-            </a:outerShdw>
-          </a:effectLst>
-          <a:scene3d>
-            <a:camera prst="orthographicFront"/>
-            <a:lightRig rig="contrasting" dir="t">
-              <a:rot lat="0" lon="0" rev="4200000"/>
-            </a:lightRig>
-          </a:scene3d>
-          <a:sp3d prstMaterial="plastic">
-            <a:bevelT w="381000" h="114300" prst="relaxedInset"/>
-            <a:contourClr>
-              <a:srgbClr val="969696"/>
-            </a:contourClr>
-          </a:sp3d>
-        </p:spPr>
-      </p:pic>
-    </p:spTree>
-    <p:extLst>
-      <p:ext uri="{BB962C8B-B14F-4D97-AF65-F5344CB8AC3E}">
-        <p14:creationId xmlns:p14="http://schemas.microsoft.com/office/powerpoint/2010/main" val="3729472079"/>
-      </p:ext>
-    </p:extLst>
-  </p:cSld>
-  <p:clrMapOvr>
-    <a:masterClrMapping/>
-  </p:clrMapOvr>
-</p:sld>
-</file>
-
-<file path=ppt/slides/slide9.xml><?xml version="1.0" encoding="utf-8"?>
-<p:sld xmlns:a="http://schemas.openxmlformats.org/drawingml/2006/main" xmlns:r="http://schemas.openxmlformats.org/officeDocument/2006/relationships" xmlns:p="http://schemas.openxmlformats.org/presentationml/2006/main">
-  <p:cSld>
-    <p:bg>
-      <p:bgPr>
-        <a:solidFill>
-          <a:schemeClr val="bg1"/>
-        </a:solidFill>
-        <a:effectLst/>
-      </p:bgPr>
-    </p:bg>
-    <p:spTree>
-      <p:nvGrpSpPr>
-        <p:cNvPr id="1" name=""/>
-        <p:cNvGrpSpPr/>
-        <p:nvPr/>
-      </p:nvGrpSpPr>
-      <p:grpSpPr>
-        <a:xfrm>
-          <a:off x="0" y="0"/>
-          <a:ext cx="0" cy="0"/>
-          <a:chOff x="0" y="0"/>
-          <a:chExt cx="0" cy="0"/>
-        </a:xfrm>
-      </p:grpSpPr>
-      <p:sp useBgFill="1">
-        <p:nvSpPr>
-          <p:cNvPr id="22" name="Rectangle 8">
-            <a:extLst>
-              <a:ext uri="{FF2B5EF4-FFF2-40B4-BE49-F238E27FC236}">
-                <a16:creationId xmlns:a16="http://schemas.microsoft.com/office/drawing/2014/main" id="{84136905-015B-4510-B514-027CBA846BD6}"/>
-              </a:ext>
-              <a:ext uri="{C183D7F6-B498-43B3-948B-1728B52AA6E4}">
-                <adec:decorative xmlns:adec="http://schemas.microsoft.com/office/drawing/2017/decorative" val="1"/>
-              </a:ext>
-            </a:extLst>
-          </p:cNvPr>
-          <p:cNvSpPr>
-            <a:spLocks noGrp="1" noRot="1" noChangeAspect="1" noMove="1" noResize="1" noEditPoints="1" noAdjustHandles="1" noChangeArrowheads="1" noChangeShapeType="1" noTextEdit="1"/>
-          </p:cNvSpPr>
-          <p:nvPr>
-            <p:extLst>
-              <p:ext uri="{386F3935-93C4-4BCD-93E2-E3B085C9AB24}">
-                <p16:designElem xmlns:p16="http://schemas.microsoft.com/office/powerpoint/2015/main" val="1"/>
-              </p:ext>
-            </p:extLst>
-          </p:nvPr>
-        </p:nvSpPr>
-        <p:spPr>
-          <a:xfrm>
-            <a:off x="0" y="0"/>
-            <a:ext cx="12192000" cy="6858000"/>
-          </a:xfrm>
-          <a:prstGeom prst="rect">
-            <a:avLst/>
-          </a:prstGeom>
-          <a:ln>
-            <a:noFill/>
-          </a:ln>
-        </p:spPr>
-        <p:style>
-          <a:lnRef idx="2">
-            <a:schemeClr val="accent1">
-              <a:shade val="50000"/>
-            </a:schemeClr>
-          </a:lnRef>
-          <a:fillRef idx="1">
-            <a:schemeClr val="accent1"/>
-          </a:fillRef>
-          <a:effectRef idx="0">
-            <a:schemeClr val="accent1"/>
-          </a:effectRef>
-          <a:fontRef idx="minor">
-            <a:schemeClr val="lt1"/>
-          </a:fontRef>
-        </p:style>
-        <p:txBody>
-          <a:bodyPr rtlCol="0" anchor="ctr"/>
-          <a:lstStyle/>
-          <a:p>
-            <a:pPr algn="ctr"/>
-            <a:endParaRPr lang="en-US"/>
-          </a:p>
-        </p:txBody>
-      </p:sp>
-      <p:sp>
-        <p:nvSpPr>
-          <p:cNvPr id="23" name="Rectangle 10">
-            <a:extLst>
-              <a:ext uri="{FF2B5EF4-FFF2-40B4-BE49-F238E27FC236}">
-                <a16:creationId xmlns:a16="http://schemas.microsoft.com/office/drawing/2014/main" id="{36CD0F97-2E5B-4E84-8544-EB24DED10446}"/>
-              </a:ext>
-              <a:ext uri="{C183D7F6-B498-43B3-948B-1728B52AA6E4}">
-                <adec:decorative xmlns:adec="http://schemas.microsoft.com/office/drawing/2017/decorative" val="1"/>
-              </a:ext>
-            </a:extLst>
-          </p:cNvPr>
-          <p:cNvSpPr>
-            <a:spLocks noGrp="1" noRot="1" noChangeAspect="1" noMove="1" noResize="1" noEditPoints="1" noAdjustHandles="1" noChangeArrowheads="1" noChangeShapeType="1" noTextEdit="1"/>
-          </p:cNvSpPr>
-          <p:nvPr>
-            <p:extLst>
-              <p:ext uri="{386F3935-93C4-4BCD-93E2-E3B085C9AB24}">
-                <p16:designElem xmlns:p16="http://schemas.microsoft.com/office/powerpoint/2015/main" val="1"/>
-              </p:ext>
-            </p:extLst>
-          </p:nvPr>
-        </p:nvSpPr>
-        <p:spPr>
-          <a:xfrm>
-            <a:off x="0" y="0"/>
-            <a:ext cx="12192000" cy="6099048"/>
-          </a:xfrm>
-          <a:prstGeom prst="rect">
-            <a:avLst/>
-          </a:prstGeom>
-          <a:gradFill flip="none" rotWithShape="1">
-            <a:gsLst>
-              <a:gs pos="10000">
-                <a:schemeClr val="accent5"/>
-              </a:gs>
-              <a:gs pos="90000">
-                <a:schemeClr val="accent1"/>
-              </a:gs>
-              <a:gs pos="70000">
-                <a:schemeClr val="accent2"/>
-              </a:gs>
-              <a:gs pos="30000">
-                <a:schemeClr val="accent4"/>
-              </a:gs>
-              <a:gs pos="50000">
-                <a:schemeClr val="accent3">
-                  <a:lumMod val="60000"/>
-                  <a:lumOff val="40000"/>
-                </a:schemeClr>
-              </a:gs>
-            </a:gsLst>
-            <a:lin ang="7200000" scaled="0"/>
-            <a:tileRect/>
-          </a:gradFill>
-          <a:ln>
-            <a:noFill/>
-          </a:ln>
-        </p:spPr>
-        <p:style>
-          <a:lnRef idx="2">
-            <a:schemeClr val="accent1">
-              <a:shade val="50000"/>
-            </a:schemeClr>
-          </a:lnRef>
-          <a:fillRef idx="1">
-            <a:schemeClr val="accent1"/>
-          </a:fillRef>
-          <a:effectRef idx="0">
-            <a:schemeClr val="accent1"/>
-          </a:effectRef>
-          <a:fontRef idx="minor">
-            <a:schemeClr val="lt1"/>
-          </a:fontRef>
-        </p:style>
-        <p:txBody>
-          <a:bodyPr rtlCol="0" anchor="ctr"/>
-          <a:lstStyle/>
-          <a:p>
-            <a:pPr algn="ctr"/>
-            <a:endParaRPr lang="en-US"/>
-          </a:p>
-        </p:txBody>
-      </p:sp>
-      <p:sp useBgFill="1">
-        <p:nvSpPr>
-          <p:cNvPr id="24" name="Freeform: Shape 12">
-            <a:extLst>
-              <a:ext uri="{FF2B5EF4-FFF2-40B4-BE49-F238E27FC236}">
-                <a16:creationId xmlns:a16="http://schemas.microsoft.com/office/drawing/2014/main" id="{18E670AF-873F-44DB-9862-796E652EECDB}"/>
-              </a:ext>
-              <a:ext uri="{C183D7F6-B498-43B3-948B-1728B52AA6E4}">
-                <adec:decorative xmlns:adec="http://schemas.microsoft.com/office/drawing/2017/decorative" val="1"/>
-              </a:ext>
-            </a:extLst>
-          </p:cNvPr>
-          <p:cNvSpPr>
-            <a:spLocks noGrp="1" noRot="1" noChangeAspect="1" noMove="1" noResize="1" noEditPoints="1" noAdjustHandles="1" noChangeArrowheads="1" noChangeShapeType="1" noTextEdit="1"/>
-          </p:cNvSpPr>
-          <p:nvPr>
-            <p:extLst>
-              <p:ext uri="{386F3935-93C4-4BCD-93E2-E3B085C9AB24}">
-                <p16:designElem xmlns:p16="http://schemas.microsoft.com/office/powerpoint/2015/main" val="1"/>
-              </p:ext>
-            </p:extLst>
-          </p:nvPr>
-        </p:nvSpPr>
-        <p:spPr>
-          <a:xfrm>
-            <a:off x="0" y="-1"/>
-            <a:ext cx="11430001" cy="6175613"/>
-          </a:xfrm>
-          <a:custGeom>
-            <a:avLst/>
-            <a:gdLst>
-              <a:gd name="connsiteX0" fmla="*/ 0 w 11430001"/>
-              <a:gd name="connsiteY0" fmla="*/ 0 h 6175613"/>
-              <a:gd name="connsiteX1" fmla="*/ 5638031 w 11430001"/>
-              <a:gd name="connsiteY1" fmla="*/ 0 h 6175613"/>
-              <a:gd name="connsiteX2" fmla="*/ 5638031 w 11430001"/>
-              <a:gd name="connsiteY2" fmla="*/ 758954 h 6175613"/>
-              <a:gd name="connsiteX3" fmla="*/ 11430001 w 11430001"/>
-              <a:gd name="connsiteY3" fmla="*/ 758954 h 6175613"/>
-              <a:gd name="connsiteX4" fmla="*/ 11430001 w 11430001"/>
-              <a:gd name="connsiteY4" fmla="*/ 6175613 h 6175613"/>
-              <a:gd name="connsiteX5" fmla="*/ 5638031 w 11430001"/>
-              <a:gd name="connsiteY5" fmla="*/ 6175613 h 6175613"/>
-              <a:gd name="connsiteX6" fmla="*/ 5240741 w 11430001"/>
-              <a:gd name="connsiteY6" fmla="*/ 6175613 h 6175613"/>
-              <a:gd name="connsiteX7" fmla="*/ 0 w 11430001"/>
-              <a:gd name="connsiteY7" fmla="*/ 6175613 h 6175613"/>
-            </a:gdLst>
-            <a:ahLst/>
-            <a:cxnLst>
-              <a:cxn ang="0">
-                <a:pos x="connsiteX0" y="connsiteY0"/>
-              </a:cxn>
-              <a:cxn ang="0">
-                <a:pos x="connsiteX1" y="connsiteY1"/>
-              </a:cxn>
-              <a:cxn ang="0">
-                <a:pos x="connsiteX2" y="connsiteY2"/>
-              </a:cxn>
-              <a:cxn ang="0">
-                <a:pos x="connsiteX3" y="connsiteY3"/>
-              </a:cxn>
-              <a:cxn ang="0">
-                <a:pos x="connsiteX4" y="connsiteY4"/>
-              </a:cxn>
-              <a:cxn ang="0">
-                <a:pos x="connsiteX5" y="connsiteY5"/>
-              </a:cxn>
-              <a:cxn ang="0">
-                <a:pos x="connsiteX6" y="connsiteY6"/>
-              </a:cxn>
-              <a:cxn ang="0">
-                <a:pos x="connsiteX7" y="connsiteY7"/>
-              </a:cxn>
-            </a:cxnLst>
-            <a:rect l="l" t="t" r="r" b="b"/>
-            <a:pathLst>
-              <a:path w="11430001" h="6175613">
-                <a:moveTo>
-                  <a:pt x="0" y="0"/>
-                </a:moveTo>
-                <a:lnTo>
-                  <a:pt x="5638031" y="0"/>
-                </a:lnTo>
-                <a:lnTo>
-                  <a:pt x="5638031" y="758954"/>
-                </a:lnTo>
-                <a:lnTo>
-                  <a:pt x="11430001" y="758954"/>
-                </a:lnTo>
-                <a:lnTo>
-                  <a:pt x="11430001" y="6175613"/>
-                </a:lnTo>
-                <a:lnTo>
-                  <a:pt x="5638031" y="6175613"/>
-                </a:lnTo>
-                <a:lnTo>
-                  <a:pt x="5240741" y="6175613"/>
-                </a:lnTo>
-                <a:lnTo>
-                  <a:pt x="0" y="6175613"/>
-                </a:lnTo>
-                <a:close/>
-              </a:path>
-            </a:pathLst>
-          </a:custGeom>
-          <a:ln>
-            <a:noFill/>
-          </a:ln>
-        </p:spPr>
-        <p:style>
-          <a:lnRef idx="2">
-            <a:schemeClr val="accent1">
-              <a:shade val="50000"/>
-            </a:schemeClr>
-          </a:lnRef>
-          <a:fillRef idx="1">
-            <a:schemeClr val="accent1"/>
-          </a:fillRef>
-          <a:effectRef idx="0">
-            <a:schemeClr val="accent1"/>
-          </a:effectRef>
-          <a:fontRef idx="minor">
-            <a:schemeClr val="lt1"/>
-          </a:fontRef>
-        </p:style>
-        <p:txBody>
-          <a:bodyPr wrap="square" rtlCol="0" anchor="ctr">
-            <a:noAutofit/>
-          </a:bodyPr>
-          <a:lstStyle/>
-          <a:p>
-            <a:pPr algn="ctr"/>
-            <a:endParaRPr lang="en-US"/>
-          </a:p>
-        </p:txBody>
-      </p:sp>
-      <p:sp>
-        <p:nvSpPr>
-          <p:cNvPr id="2" name="Titre 1">
-            <a:extLst>
-              <a:ext uri="{FF2B5EF4-FFF2-40B4-BE49-F238E27FC236}">
-                <a16:creationId xmlns:a16="http://schemas.microsoft.com/office/drawing/2014/main" id="{EB3F372F-6547-CF43-8E44-66AA9599E906}"/>
-              </a:ext>
-            </a:extLst>
-          </p:cNvPr>
-          <p:cNvSpPr>
-            <a:spLocks noGrp="1"/>
-          </p:cNvSpPr>
-          <p:nvPr>
-            <p:ph type="title"/>
-          </p:nvPr>
-        </p:nvSpPr>
-        <p:spPr>
-          <a:xfrm>
-            <a:off x="762000" y="758953"/>
-            <a:ext cx="4089779" cy="2028388"/>
-          </a:xfrm>
-        </p:spPr>
-        <p:txBody>
-          <a:bodyPr anchor="ctr">
-            <a:normAutofit/>
-          </a:bodyPr>
-          <a:lstStyle/>
-          <a:p>
-            <a:r>
-              <a:rPr lang="fr-FR" dirty="0"/>
-              <a:t>Fonctionnement du jeu</a:t>
-            </a:r>
-          </a:p>
-        </p:txBody>
-      </p:sp>
-      <p:sp>
-        <p:nvSpPr>
-          <p:cNvPr id="3" name="Espace réservé du contenu 2">
-            <a:extLst>
-              <a:ext uri="{FF2B5EF4-FFF2-40B4-BE49-F238E27FC236}">
-                <a16:creationId xmlns:a16="http://schemas.microsoft.com/office/drawing/2014/main" id="{60D8E6A7-FB25-174A-B1D1-2C5EEC558F16}"/>
-              </a:ext>
-            </a:extLst>
-          </p:cNvPr>
-          <p:cNvSpPr>
-            <a:spLocks noGrp="1"/>
-          </p:cNvSpPr>
-          <p:nvPr>
-            <p:ph idx="1"/>
-          </p:nvPr>
-        </p:nvSpPr>
-        <p:spPr>
-          <a:xfrm>
-            <a:off x="762000" y="2893326"/>
-            <a:ext cx="4089779" cy="3202674"/>
-          </a:xfrm>
-        </p:spPr>
-        <p:txBody>
-          <a:bodyPr anchor="t">
-            <a:normAutofit/>
-          </a:bodyPr>
-          <a:lstStyle/>
-          <a:p>
-            <a:r>
-              <a:rPr lang="fr-FR" dirty="0"/>
-              <a:t>Partie terminée</a:t>
-            </a:r>
-          </a:p>
-          <a:p>
-            <a:endParaRPr lang="fr-FR" dirty="0"/>
-          </a:p>
-          <a:p>
-            <a:endParaRPr lang="fr-FR" b="1" dirty="0"/>
-          </a:p>
-        </p:txBody>
-      </p:sp>
-      <p:pic>
-        <p:nvPicPr>
-          <p:cNvPr id="8" name="Image 7">
-            <a:extLst>
-              <a:ext uri="{FF2B5EF4-FFF2-40B4-BE49-F238E27FC236}">
-                <a16:creationId xmlns:a16="http://schemas.microsoft.com/office/drawing/2014/main" id="{F2B5386E-B1E6-C040-910D-BFA90786BD3A}"/>
-              </a:ext>
-            </a:extLst>
-          </p:cNvPr>
-          <p:cNvPicPr>
-            <a:picLocks noChangeAspect="1"/>
-          </p:cNvPicPr>
-          <p:nvPr/>
-        </p:nvPicPr>
-        <p:blipFill>
-          <a:blip r:embed="rId2">
-            <a:extLst>
-              <a:ext uri="{28A0092B-C50C-407E-A947-70E740481C1C}">
-                <a14:useLocalDpi xmlns:a14="http://schemas.microsoft.com/office/drawing/2010/main" val="0"/>
-              </a:ext>
-            </a:extLst>
-          </a:blip>
-          <a:stretch>
-            <a:fillRect/>
-          </a:stretch>
-        </p:blipFill>
-        <p:spPr>
-          <a:xfrm>
-            <a:off x="6093650" y="1620747"/>
-            <a:ext cx="4094480" cy="4233545"/>
-          </a:xfrm>
-          <a:prstGeom prst="roundRect">
-            <a:avLst>
-              <a:gd name="adj" fmla="val 16667"/>
-            </a:avLst>
-          </a:prstGeom>
-          <a:ln>
-            <a:noFill/>
-          </a:ln>
-          <a:effectLst>
-            <a:outerShdw blurRad="76200" dist="38100" dir="7800000" algn="tl" rotWithShape="0">
-              <a:srgbClr val="000000">
-                <a:alpha val="40000"/>
-              </a:srgbClr>
-            </a:outerShdw>
-          </a:effectLst>
-          <a:scene3d>
-            <a:camera prst="orthographicFront"/>
-            <a:lightRig rig="contrasting" dir="t">
-              <a:rot lat="0" lon="0" rev="4200000"/>
-            </a:lightRig>
-          </a:scene3d>
-          <a:sp3d prstMaterial="plastic">
-            <a:bevelT w="381000" h="114300" prst="relaxedInset"/>
-            <a:contourClr>
-              <a:srgbClr val="969696"/>
-            </a:contourClr>
-          </a:sp3d>
-        </p:spPr>
-      </p:pic>
-    </p:spTree>
-    <p:extLst>
-      <p:ext uri="{BB962C8B-B14F-4D97-AF65-F5344CB8AC3E}">
-        <p14:creationId xmlns:p14="http://schemas.microsoft.com/office/powerpoint/2010/main" val="1240703144"/>
       </p:ext>
     </p:extLst>
   </p:cSld>

--- a/P3_03_presentation.pptx
+++ b/P3_03_presentation.pptx
@@ -8,7 +8,7 @@
     <p:sldId id="256" r:id="rId2"/>
     <p:sldId id="258" r:id="rId3"/>
     <p:sldId id="268" r:id="rId4"/>
-    <p:sldId id="265" r:id="rId5"/>
+    <p:sldId id="269" r:id="rId5"/>
     <p:sldId id="267" r:id="rId6"/>
   </p:sldIdLst>
   <p:sldSz cx="12192000" cy="6858000"/>
@@ -7553,14 +7553,6 @@
 <file path=ppt/slides/slide4.xml><?xml version="1.0" encoding="utf-8"?>
 <p:sld xmlns:a="http://schemas.openxmlformats.org/drawingml/2006/main" xmlns:r="http://schemas.openxmlformats.org/officeDocument/2006/relationships" xmlns:p="http://schemas.openxmlformats.org/presentationml/2006/main">
   <p:cSld>
-    <p:bg>
-      <p:bgPr>
-        <a:solidFill>
-          <a:schemeClr val="bg1"/>
-        </a:solidFill>
-        <a:effectLst/>
-      </p:bgPr>
-    </p:bg>
     <p:spTree>
       <p:nvGrpSpPr>
         <p:cNvPr id="1" name=""/>
@@ -7575,293 +7567,12 @@
           <a:chExt cx="0" cy="0"/>
         </a:xfrm>
       </p:grpSpPr>
-      <p:sp useBgFill="1">
-        <p:nvSpPr>
-          <p:cNvPr id="15" name="Rectangle 14">
-            <a:extLst>
-              <a:ext uri="{FF2B5EF4-FFF2-40B4-BE49-F238E27FC236}">
-                <a16:creationId xmlns:a16="http://schemas.microsoft.com/office/drawing/2014/main" id="{84136905-015B-4510-B514-027CBA846BD6}"/>
-              </a:ext>
-              <a:ext uri="{C183D7F6-B498-43B3-948B-1728B52AA6E4}">
-                <adec:decorative xmlns:adec="http://schemas.microsoft.com/office/drawing/2017/decorative" val="1"/>
-              </a:ext>
-            </a:extLst>
-          </p:cNvPr>
-          <p:cNvSpPr>
-            <a:spLocks noGrp="1" noRot="1" noChangeAspect="1" noMove="1" noResize="1" noEditPoints="1" noAdjustHandles="1" noChangeArrowheads="1" noChangeShapeType="1" noTextEdit="1"/>
-          </p:cNvSpPr>
-          <p:nvPr>
-            <p:extLst>
-              <p:ext uri="{386F3935-93C4-4BCD-93E2-E3B085C9AB24}">
-                <p16:designElem xmlns:p16="http://schemas.microsoft.com/office/powerpoint/2015/main" val="1"/>
-              </p:ext>
-            </p:extLst>
-          </p:nvPr>
-        </p:nvSpPr>
-        <p:spPr>
-          <a:xfrm>
-            <a:off x="0" y="0"/>
-            <a:ext cx="12192000" cy="6858000"/>
-          </a:xfrm>
-          <a:prstGeom prst="rect">
-            <a:avLst/>
-          </a:prstGeom>
-          <a:ln>
-            <a:noFill/>
-          </a:ln>
-        </p:spPr>
-        <p:style>
-          <a:lnRef idx="2">
-            <a:schemeClr val="accent1">
-              <a:shade val="50000"/>
-            </a:schemeClr>
-          </a:lnRef>
-          <a:fillRef idx="1">
-            <a:schemeClr val="accent1"/>
-          </a:fillRef>
-          <a:effectRef idx="0">
-            <a:schemeClr val="accent1"/>
-          </a:effectRef>
-          <a:fontRef idx="minor">
-            <a:schemeClr val="lt1"/>
-          </a:fontRef>
-        </p:style>
-        <p:txBody>
-          <a:bodyPr rtlCol="0" anchor="ctr"/>
-          <a:lstStyle/>
-          <a:p>
-            <a:pPr algn="ctr"/>
-            <a:endParaRPr lang="en-US"/>
-          </a:p>
-        </p:txBody>
-      </p:sp>
-      <p:sp>
-        <p:nvSpPr>
-          <p:cNvPr id="17" name="Rectangle 16">
-            <a:extLst>
-              <a:ext uri="{FF2B5EF4-FFF2-40B4-BE49-F238E27FC236}">
-                <a16:creationId xmlns:a16="http://schemas.microsoft.com/office/drawing/2014/main" id="{36CD0F97-2E5B-4E84-8544-EB24DED10446}"/>
-              </a:ext>
-              <a:ext uri="{C183D7F6-B498-43B3-948B-1728B52AA6E4}">
-                <adec:decorative xmlns:adec="http://schemas.microsoft.com/office/drawing/2017/decorative" val="1"/>
-              </a:ext>
-            </a:extLst>
-          </p:cNvPr>
-          <p:cNvSpPr>
-            <a:spLocks noGrp="1" noRot="1" noChangeAspect="1" noMove="1" noResize="1" noEditPoints="1" noAdjustHandles="1" noChangeArrowheads="1" noChangeShapeType="1" noTextEdit="1"/>
-          </p:cNvSpPr>
-          <p:nvPr>
-            <p:extLst>
-              <p:ext uri="{386F3935-93C4-4BCD-93E2-E3B085C9AB24}">
-                <p16:designElem xmlns:p16="http://schemas.microsoft.com/office/powerpoint/2015/main" val="1"/>
-              </p:ext>
-            </p:extLst>
-          </p:nvPr>
-        </p:nvSpPr>
-        <p:spPr>
-          <a:xfrm>
-            <a:off x="0" y="0"/>
-            <a:ext cx="12192000" cy="6099048"/>
-          </a:xfrm>
-          <a:prstGeom prst="rect">
-            <a:avLst/>
-          </a:prstGeom>
-          <a:gradFill flip="none" rotWithShape="1">
-            <a:gsLst>
-              <a:gs pos="10000">
-                <a:schemeClr val="accent5"/>
-              </a:gs>
-              <a:gs pos="90000">
-                <a:schemeClr val="accent1"/>
-              </a:gs>
-              <a:gs pos="70000">
-                <a:schemeClr val="accent2"/>
-              </a:gs>
-              <a:gs pos="30000">
-                <a:schemeClr val="accent4"/>
-              </a:gs>
-              <a:gs pos="50000">
-                <a:schemeClr val="accent3">
-                  <a:lumMod val="60000"/>
-                  <a:lumOff val="40000"/>
-                </a:schemeClr>
-              </a:gs>
-            </a:gsLst>
-            <a:lin ang="7200000" scaled="0"/>
-            <a:tileRect/>
-          </a:gradFill>
-          <a:ln>
-            <a:noFill/>
-          </a:ln>
-        </p:spPr>
-        <p:style>
-          <a:lnRef idx="2">
-            <a:schemeClr val="accent1">
-              <a:shade val="50000"/>
-            </a:schemeClr>
-          </a:lnRef>
-          <a:fillRef idx="1">
-            <a:schemeClr val="accent1"/>
-          </a:fillRef>
-          <a:effectRef idx="0">
-            <a:schemeClr val="accent1"/>
-          </a:effectRef>
-          <a:fontRef idx="minor">
-            <a:schemeClr val="lt1"/>
-          </a:fontRef>
-        </p:style>
-        <p:txBody>
-          <a:bodyPr rtlCol="0" anchor="ctr"/>
-          <a:lstStyle/>
-          <a:p>
-            <a:pPr algn="ctr"/>
-            <a:endParaRPr lang="en-US"/>
-          </a:p>
-        </p:txBody>
-      </p:sp>
-      <p:sp useBgFill="1">
-        <p:nvSpPr>
-          <p:cNvPr id="19" name="Freeform: Shape 18">
-            <a:extLst>
-              <a:ext uri="{FF2B5EF4-FFF2-40B4-BE49-F238E27FC236}">
-                <a16:creationId xmlns:a16="http://schemas.microsoft.com/office/drawing/2014/main" id="{18E670AF-873F-44DB-9862-796E652EECDB}"/>
-              </a:ext>
-              <a:ext uri="{C183D7F6-B498-43B3-948B-1728B52AA6E4}">
-                <adec:decorative xmlns:adec="http://schemas.microsoft.com/office/drawing/2017/decorative" val="1"/>
-              </a:ext>
-            </a:extLst>
-          </p:cNvPr>
-          <p:cNvSpPr>
-            <a:spLocks noGrp="1" noRot="1" noChangeAspect="1" noMove="1" noResize="1" noEditPoints="1" noAdjustHandles="1" noChangeArrowheads="1" noChangeShapeType="1" noTextEdit="1"/>
-          </p:cNvSpPr>
-          <p:nvPr>
-            <p:extLst>
-              <p:ext uri="{386F3935-93C4-4BCD-93E2-E3B085C9AB24}">
-                <p16:designElem xmlns:p16="http://schemas.microsoft.com/office/powerpoint/2015/main" val="1"/>
-              </p:ext>
-            </p:extLst>
-          </p:nvPr>
-        </p:nvSpPr>
-        <p:spPr>
-          <a:xfrm>
-            <a:off x="0" y="-1"/>
-            <a:ext cx="11430001" cy="6175613"/>
-          </a:xfrm>
-          <a:custGeom>
-            <a:avLst/>
-            <a:gdLst>
-              <a:gd name="connsiteX0" fmla="*/ 0 w 11430001"/>
-              <a:gd name="connsiteY0" fmla="*/ 0 h 6175613"/>
-              <a:gd name="connsiteX1" fmla="*/ 5638031 w 11430001"/>
-              <a:gd name="connsiteY1" fmla="*/ 0 h 6175613"/>
-              <a:gd name="connsiteX2" fmla="*/ 5638031 w 11430001"/>
-              <a:gd name="connsiteY2" fmla="*/ 758954 h 6175613"/>
-              <a:gd name="connsiteX3" fmla="*/ 11430001 w 11430001"/>
-              <a:gd name="connsiteY3" fmla="*/ 758954 h 6175613"/>
-              <a:gd name="connsiteX4" fmla="*/ 11430001 w 11430001"/>
-              <a:gd name="connsiteY4" fmla="*/ 6175613 h 6175613"/>
-              <a:gd name="connsiteX5" fmla="*/ 5638031 w 11430001"/>
-              <a:gd name="connsiteY5" fmla="*/ 6175613 h 6175613"/>
-              <a:gd name="connsiteX6" fmla="*/ 5240741 w 11430001"/>
-              <a:gd name="connsiteY6" fmla="*/ 6175613 h 6175613"/>
-              <a:gd name="connsiteX7" fmla="*/ 0 w 11430001"/>
-              <a:gd name="connsiteY7" fmla="*/ 6175613 h 6175613"/>
-            </a:gdLst>
-            <a:ahLst/>
-            <a:cxnLst>
-              <a:cxn ang="0">
-                <a:pos x="connsiteX0" y="connsiteY0"/>
-              </a:cxn>
-              <a:cxn ang="0">
-                <a:pos x="connsiteX1" y="connsiteY1"/>
-              </a:cxn>
-              <a:cxn ang="0">
-                <a:pos x="connsiteX2" y="connsiteY2"/>
-              </a:cxn>
-              <a:cxn ang="0">
-                <a:pos x="connsiteX3" y="connsiteY3"/>
-              </a:cxn>
-              <a:cxn ang="0">
-                <a:pos x="connsiteX4" y="connsiteY4"/>
-              </a:cxn>
-              <a:cxn ang="0">
-                <a:pos x="connsiteX5" y="connsiteY5"/>
-              </a:cxn>
-              <a:cxn ang="0">
-                <a:pos x="connsiteX6" y="connsiteY6"/>
-              </a:cxn>
-              <a:cxn ang="0">
-                <a:pos x="connsiteX7" y="connsiteY7"/>
-              </a:cxn>
-            </a:cxnLst>
-            <a:rect l="l" t="t" r="r" b="b"/>
-            <a:pathLst>
-              <a:path w="11430001" h="6175613">
-                <a:moveTo>
-                  <a:pt x="0" y="0"/>
-                </a:moveTo>
-                <a:lnTo>
-                  <a:pt x="5638031" y="0"/>
-                </a:lnTo>
-                <a:lnTo>
-                  <a:pt x="5638031" y="758954"/>
-                </a:lnTo>
-                <a:lnTo>
-                  <a:pt x="11430001" y="758954"/>
-                </a:lnTo>
-                <a:lnTo>
-                  <a:pt x="11430001" y="6175613"/>
-                </a:lnTo>
-                <a:lnTo>
-                  <a:pt x="5638031" y="6175613"/>
-                </a:lnTo>
-                <a:lnTo>
-                  <a:pt x="5240741" y="6175613"/>
-                </a:lnTo>
-                <a:lnTo>
-                  <a:pt x="0" y="6175613"/>
-                </a:lnTo>
-                <a:close/>
-              </a:path>
-            </a:pathLst>
-          </a:custGeom>
-          <a:ln>
-            <a:noFill/>
-          </a:ln>
-        </p:spPr>
-        <p:style>
-          <a:lnRef idx="2">
-            <a:schemeClr val="accent1">
-              <a:shade val="50000"/>
-            </a:schemeClr>
-          </a:lnRef>
-          <a:fillRef idx="1">
-            <a:schemeClr val="accent1"/>
-          </a:fillRef>
-          <a:effectRef idx="0">
-            <a:schemeClr val="accent1"/>
-          </a:effectRef>
-          <a:fontRef idx="minor">
-            <a:schemeClr val="lt1"/>
-          </a:fontRef>
-        </p:style>
-        <p:txBody>
-          <a:bodyPr wrap="square" rtlCol="0" anchor="ctr">
-            <a:noAutofit/>
-          </a:bodyPr>
-          <a:lstStyle/>
-          <a:p>
-            <a:pPr algn="ctr"/>
-            <a:endParaRPr lang="en-US"/>
-          </a:p>
-        </p:txBody>
-      </p:sp>
       <p:sp>
         <p:nvSpPr>
           <p:cNvPr id="2" name="Titre 1">
             <a:extLst>
               <a:ext uri="{FF2B5EF4-FFF2-40B4-BE49-F238E27FC236}">
-                <a16:creationId xmlns:a16="http://schemas.microsoft.com/office/drawing/2014/main" id="{585D7454-0863-6940-AAD6-D53D53C1650F}"/>
+                <a16:creationId xmlns:a16="http://schemas.microsoft.com/office/drawing/2014/main" id="{B28E369A-A47F-3646-9F02-20161AE0A37E}"/>
               </a:ext>
             </a:extLst>
           </p:cNvPr>
@@ -7874,14 +7585,12 @@
         </p:nvSpPr>
         <p:spPr>
           <a:xfrm>
-            <a:off x="121920" y="134113"/>
-            <a:ext cx="4089779" cy="2028388"/>
+            <a:off x="3048000" y="999744"/>
+            <a:ext cx="9144000" cy="1344168"/>
           </a:xfrm>
         </p:spPr>
         <p:txBody>
-          <a:bodyPr anchor="ctr">
-            <a:normAutofit/>
-          </a:bodyPr>
+          <a:bodyPr/>
           <a:lstStyle/>
           <a:p>
             <a:r>
@@ -7896,7 +7605,7 @@
           <p:cNvPr id="4" name="Image 3">
             <a:extLst>
               <a:ext uri="{FF2B5EF4-FFF2-40B4-BE49-F238E27FC236}">
-                <a16:creationId xmlns:a16="http://schemas.microsoft.com/office/drawing/2014/main" id="{C127E1EC-78B2-8F49-AE82-6422FADD0F25}"/>
+                <a16:creationId xmlns:a16="http://schemas.microsoft.com/office/drawing/2014/main" id="{A46BA608-DC25-0749-AD3A-1B67A6BD7C0D}"/>
               </a:ext>
             </a:extLst>
           </p:cNvPr>
@@ -7913,8 +7622,8 @@
         </p:blipFill>
         <p:spPr>
           <a:xfrm>
-            <a:off x="1728439" y="1032931"/>
-            <a:ext cx="9556596" cy="5580669"/>
+            <a:off x="1909591" y="1803309"/>
+            <a:ext cx="8372818" cy="4889390"/>
           </a:xfrm>
           <a:prstGeom prst="rect">
             <a:avLst/>
@@ -7924,7 +7633,7 @@
     </p:spTree>
     <p:extLst>
       <p:ext uri="{BB962C8B-B14F-4D97-AF65-F5344CB8AC3E}">
-        <p14:creationId xmlns:p14="http://schemas.microsoft.com/office/powerpoint/2010/main" val="77379840"/>
+        <p14:creationId xmlns:p14="http://schemas.microsoft.com/office/powerpoint/2010/main" val="381191263"/>
       </p:ext>
     </p:extLst>
   </p:cSld>
